--- a/presentation/presentation/presentation_finale_serveur.pptx
+++ b/presentation/presentation/presentation_finale_serveur.pptx
@@ -14,6 +14,19 @@
     <p:sldId id="262" r:id="rId13"/>
     <p:sldId id="263" r:id="rId14"/>
     <p:sldId id="264" r:id="rId15"/>
+    <p:sldId id="265" r:id="rId16"/>
+    <p:sldId id="266" r:id="rId17"/>
+    <p:sldId id="267" r:id="rId18"/>
+    <p:sldId id="268" r:id="rId19"/>
+    <p:sldId id="269" r:id="rId20"/>
+    <p:sldId id="270" r:id="rId21"/>
+    <p:sldId id="271" r:id="rId22"/>
+    <p:sldId id="272" r:id="rId23"/>
+    <p:sldId id="273" r:id="rId24"/>
+    <p:sldId id="274" r:id="rId25"/>
+    <p:sldId id="275" r:id="rId26"/>
+    <p:sldId id="276" r:id="rId27"/>
+    <p:sldId id="277" r:id="rId28"/>
   </p:sldIdLst>
   <p:sldSz cx="9144000" cy="6858000" type="screen4x3"/>
   <p:notesSz cx="6858000" cy="9144000"/>
@@ -3096,48 +3109,1512 @@
         <p:nvPr/>
       </p:nvGrpSpPr>
       <p:grpSpPr/>
-      <p:sp>
-        <p:nvSpPr>
-          <p:cNvPr id="2" name="Title 1"/>
-          <p:cNvSpPr>
-            <a:spLocks noGrp="1"/>
-          </p:cNvSpPr>
-          <p:nvPr>
-            <p:ph type="ctrTitle"/>
-          </p:nvPr>
-        </p:nvSpPr>
-        <p:spPr/>
-        <p:txBody>
-          <a:bodyPr/>
-          <a:lstStyle/>
-          <a:p>
-            <a:r>
-              <a:t>Serveur Haute Performance – TCP &amp; HTTP</a:t>
-            </a:r>
-          </a:p>
-        </p:txBody>
-      </p:sp>
-      <p:sp>
-        <p:nvSpPr>
-          <p:cNvPr id="3" name="Subtitle 2"/>
-          <p:cNvSpPr>
-            <a:spLocks noGrp="1"/>
-          </p:cNvSpPr>
-          <p:nvPr>
-            <p:ph type="subTitle" idx="1"/>
-          </p:nvPr>
-        </p:nvSpPr>
-        <p:spPr/>
-        <p:txBody>
-          <a:bodyPr/>
-          <a:lstStyle/>
-          <a:p>
-            <a:r>
-              <a:t>Projet Ingénieur – Implémentation complète Multi-thread / Benchmarks</a:t>
-            </a:r>
-          </a:p>
-        </p:txBody>
-      </p:sp>
+      <p:pic>
+        <p:nvPicPr>
+          <p:cNvPr id="2" name="Picture 1" descr="bg_light.png"/>
+          <p:cNvPicPr>
+            <a:picLocks noChangeAspect="1"/>
+          </p:cNvPicPr>
+          <p:nvPr/>
+        </p:nvPicPr>
+        <p:blipFill>
+          <a:blip r:embed="rId2"/>
+          <a:stretch>
+            <a:fillRect/>
+          </a:stretch>
+        </p:blipFill>
+        <p:spPr>
+          <a:xfrm>
+            <a:off x="0" y="0"/>
+            <a:ext cx="9144000" cy="6858000"/>
+          </a:xfrm>
+          <a:prstGeom prst="rect">
+            <a:avLst/>
+          </a:prstGeom>
+        </p:spPr>
+      </p:pic>
+      <p:sp>
+        <p:nvSpPr>
+          <p:cNvPr id="3" name="TextBox 2"/>
+          <p:cNvSpPr txBox="1"/>
+          <p:nvPr/>
+        </p:nvSpPr>
+        <p:spPr>
+          <a:xfrm>
+            <a:off x="914400" y="914400"/>
+            <a:ext cx="9144000" cy="1828800"/>
+          </a:xfrm>
+          <a:prstGeom prst="rect">
+            <a:avLst/>
+          </a:prstGeom>
+          <a:noFill/>
+        </p:spPr>
+        <p:txBody>
+          <a:bodyPr wrap="none">
+            <a:spAutoFit/>
+          </a:bodyPr>
+          <a:lstStyle/>
+          <a:p>
+            <a:pPr>
+              <a:defRPr sz="5000" b="1">
+                <a:solidFill>
+                  <a:srgbClr val="141414"/>
+                </a:solidFill>
+              </a:defRPr>
+            </a:pPr>
+            <a:r>
+              <a:t>Serveurs TCP &amp; HTTP Haute Performance</a:t>
+            </a:r>
+          </a:p>
+        </p:txBody>
+      </p:sp>
+      <p:sp>
+        <p:nvSpPr>
+          <p:cNvPr id="4" name="TextBox 3"/>
+          <p:cNvSpPr txBox="1"/>
+          <p:nvPr/>
+        </p:nvSpPr>
+        <p:spPr>
+          <a:xfrm>
+            <a:off x="914400" y="2286000"/>
+            <a:ext cx="9144000" cy="914400"/>
+          </a:xfrm>
+          <a:prstGeom prst="rect">
+            <a:avLst/>
+          </a:prstGeom>
+          <a:noFill/>
+        </p:spPr>
+        <p:txBody>
+          <a:bodyPr wrap="none">
+            <a:spAutoFit/>
+          </a:bodyPr>
+          <a:lstStyle/>
+          <a:p>
+            <a:pPr>
+              <a:defRPr sz="2600">
+                <a:solidFill>
+                  <a:srgbClr val="282828"/>
+                </a:solidFill>
+              </a:defRPr>
+            </a:pPr>
+            <a:r>
+              <a:t>Multi-thread | Queue FIFO | Benchmarks | C/POSIX</a:t>
+            </a:r>
+          </a:p>
+        </p:txBody>
+      </p:sp>
+    </p:spTree>
+  </p:cSld>
+  <p:clrMapOvr>
+    <a:masterClrMapping/>
+  </p:clrMapOvr>
+</p:sld>
+</file>
+
+<file path=ppt/slides/slide10.xml><?xml version="1.0" encoding="utf-8"?>
+<p:sld xmlns:a="http://schemas.openxmlformats.org/drawingml/2006/main" xmlns:p="http://schemas.openxmlformats.org/presentationml/2006/main" xmlns:r="http://schemas.openxmlformats.org/officeDocument/2006/relationships">
+  <p:cSld>
+    <p:spTree>
+      <p:nvGrpSpPr>
+        <p:cNvPr id="1" name=""/>
+        <p:cNvGrpSpPr/>
+        <p:nvPr/>
+      </p:nvGrpSpPr>
+      <p:grpSpPr/>
+      <p:pic>
+        <p:nvPicPr>
+          <p:cNvPr id="2" name="Picture 1" descr="bg_light.png"/>
+          <p:cNvPicPr>
+            <a:picLocks noChangeAspect="1"/>
+          </p:cNvPicPr>
+          <p:nvPr/>
+        </p:nvPicPr>
+        <p:blipFill>
+          <a:blip r:embed="rId2"/>
+          <a:stretch>
+            <a:fillRect/>
+          </a:stretch>
+        </p:blipFill>
+        <p:spPr>
+          <a:xfrm>
+            <a:off x="0" y="0"/>
+            <a:ext cx="9144000" cy="6858000"/>
+          </a:xfrm>
+          <a:prstGeom prst="rect">
+            <a:avLst/>
+          </a:prstGeom>
+        </p:spPr>
+      </p:pic>
+      <p:sp>
+        <p:nvSpPr>
+          <p:cNvPr id="3" name="TextBox 2"/>
+          <p:cNvSpPr txBox="1"/>
+          <p:nvPr/>
+        </p:nvSpPr>
+        <p:spPr>
+          <a:xfrm>
+            <a:off x="640080" y="640080"/>
+            <a:ext cx="9144000" cy="914400"/>
+          </a:xfrm>
+          <a:prstGeom prst="rect">
+            <a:avLst/>
+          </a:prstGeom>
+          <a:noFill/>
+        </p:spPr>
+        <p:txBody>
+          <a:bodyPr wrap="none">
+            <a:spAutoFit/>
+          </a:bodyPr>
+          <a:lstStyle/>
+          <a:p>
+            <a:pPr>
+              <a:defRPr sz="3600" b="1">
+                <a:solidFill>
+                  <a:srgbClr val="141414"/>
+                </a:solidFill>
+              </a:defRPr>
+            </a:pPr>
+            <a:r>
+              <a:t>Latence P99 (µs)</a:t>
+            </a:r>
+          </a:p>
+        </p:txBody>
+      </p:sp>
+      <p:pic>
+        <p:nvPicPr>
+          <p:cNvPr id="4" name="Picture 3" descr="2-latency_p99.png"/>
+          <p:cNvPicPr>
+            <a:picLocks noChangeAspect="1"/>
+          </p:cNvPicPr>
+          <p:nvPr/>
+        </p:nvPicPr>
+        <p:blipFill>
+          <a:blip r:embed="rId3"/>
+          <a:stretch>
+            <a:fillRect/>
+          </a:stretch>
+        </p:blipFill>
+        <p:spPr>
+          <a:xfrm>
+            <a:off x="914400" y="1828800"/>
+            <a:ext cx="9144000" cy="5715000"/>
+          </a:xfrm>
+          <a:prstGeom prst="rect">
+            <a:avLst/>
+          </a:prstGeom>
+        </p:spPr>
+      </p:pic>
+    </p:spTree>
+  </p:cSld>
+  <p:clrMapOvr>
+    <a:masterClrMapping/>
+  </p:clrMapOvr>
+</p:sld>
+</file>
+
+<file path=ppt/slides/slide11.xml><?xml version="1.0" encoding="utf-8"?>
+<p:sld xmlns:a="http://schemas.openxmlformats.org/drawingml/2006/main" xmlns:p="http://schemas.openxmlformats.org/presentationml/2006/main" xmlns:r="http://schemas.openxmlformats.org/officeDocument/2006/relationships">
+  <p:cSld>
+    <p:spTree>
+      <p:nvGrpSpPr>
+        <p:cNvPr id="1" name=""/>
+        <p:cNvGrpSpPr/>
+        <p:nvPr/>
+      </p:nvGrpSpPr>
+      <p:grpSpPr/>
+      <p:pic>
+        <p:nvPicPr>
+          <p:cNvPr id="2" name="Picture 1" descr="bg_light.png"/>
+          <p:cNvPicPr>
+            <a:picLocks noChangeAspect="1"/>
+          </p:cNvPicPr>
+          <p:nvPr/>
+        </p:nvPicPr>
+        <p:blipFill>
+          <a:blip r:embed="rId2"/>
+          <a:stretch>
+            <a:fillRect/>
+          </a:stretch>
+        </p:blipFill>
+        <p:spPr>
+          <a:xfrm>
+            <a:off x="0" y="0"/>
+            <a:ext cx="9144000" cy="6858000"/>
+          </a:xfrm>
+          <a:prstGeom prst="rect">
+            <a:avLst/>
+          </a:prstGeom>
+        </p:spPr>
+      </p:pic>
+      <p:sp>
+        <p:nvSpPr>
+          <p:cNvPr id="3" name="TextBox 2"/>
+          <p:cNvSpPr txBox="1"/>
+          <p:nvPr/>
+        </p:nvSpPr>
+        <p:spPr>
+          <a:xfrm>
+            <a:off x="640080" y="640080"/>
+            <a:ext cx="9144000" cy="914400"/>
+          </a:xfrm>
+          <a:prstGeom prst="rect">
+            <a:avLst/>
+          </a:prstGeom>
+          <a:noFill/>
+        </p:spPr>
+        <p:txBody>
+          <a:bodyPr wrap="none">
+            <a:spAutoFit/>
+          </a:bodyPr>
+          <a:lstStyle/>
+          <a:p>
+            <a:pPr>
+              <a:defRPr sz="3600" b="1">
+                <a:solidFill>
+                  <a:srgbClr val="141414"/>
+                </a:solidFill>
+              </a:defRPr>
+            </a:pPr>
+            <a:r>
+              <a:t>Utilisation CPU</a:t>
+            </a:r>
+          </a:p>
+        </p:txBody>
+      </p:sp>
+      <p:pic>
+        <p:nvPicPr>
+          <p:cNvPr id="4" name="Picture 3" descr="3-cpu.png"/>
+          <p:cNvPicPr>
+            <a:picLocks noChangeAspect="1"/>
+          </p:cNvPicPr>
+          <p:nvPr/>
+        </p:nvPicPr>
+        <p:blipFill>
+          <a:blip r:embed="rId3"/>
+          <a:stretch>
+            <a:fillRect/>
+          </a:stretch>
+        </p:blipFill>
+        <p:spPr>
+          <a:xfrm>
+            <a:off x="914400" y="1828800"/>
+            <a:ext cx="9144000" cy="5715000"/>
+          </a:xfrm>
+          <a:prstGeom prst="rect">
+            <a:avLst/>
+          </a:prstGeom>
+        </p:spPr>
+      </p:pic>
+    </p:spTree>
+  </p:cSld>
+  <p:clrMapOvr>
+    <a:masterClrMapping/>
+  </p:clrMapOvr>
+</p:sld>
+</file>
+
+<file path=ppt/slides/slide12.xml><?xml version="1.0" encoding="utf-8"?>
+<p:sld xmlns:a="http://schemas.openxmlformats.org/drawingml/2006/main" xmlns:p="http://schemas.openxmlformats.org/presentationml/2006/main" xmlns:r="http://schemas.openxmlformats.org/officeDocument/2006/relationships">
+  <p:cSld>
+    <p:spTree>
+      <p:nvGrpSpPr>
+        <p:cNvPr id="1" name=""/>
+        <p:cNvGrpSpPr/>
+        <p:nvPr/>
+      </p:nvGrpSpPr>
+      <p:grpSpPr/>
+      <p:pic>
+        <p:nvPicPr>
+          <p:cNvPr id="2" name="Picture 1" descr="bg_light.png"/>
+          <p:cNvPicPr>
+            <a:picLocks noChangeAspect="1"/>
+          </p:cNvPicPr>
+          <p:nvPr/>
+        </p:nvPicPr>
+        <p:blipFill>
+          <a:blip r:embed="rId2"/>
+          <a:stretch>
+            <a:fillRect/>
+          </a:stretch>
+        </p:blipFill>
+        <p:spPr>
+          <a:xfrm>
+            <a:off x="0" y="0"/>
+            <a:ext cx="9144000" cy="6858000"/>
+          </a:xfrm>
+          <a:prstGeom prst="rect">
+            <a:avLst/>
+          </a:prstGeom>
+        </p:spPr>
+      </p:pic>
+      <p:sp>
+        <p:nvSpPr>
+          <p:cNvPr id="3" name="TextBox 2"/>
+          <p:cNvSpPr txBox="1"/>
+          <p:nvPr/>
+        </p:nvSpPr>
+        <p:spPr>
+          <a:xfrm>
+            <a:off x="640080" y="640080"/>
+            <a:ext cx="9144000" cy="914400"/>
+          </a:xfrm>
+          <a:prstGeom prst="rect">
+            <a:avLst/>
+          </a:prstGeom>
+          <a:noFill/>
+        </p:spPr>
+        <p:txBody>
+          <a:bodyPr wrap="none">
+            <a:spAutoFit/>
+          </a:bodyPr>
+          <a:lstStyle/>
+          <a:p>
+            <a:pPr>
+              <a:defRPr sz="3600" b="1">
+                <a:solidFill>
+                  <a:srgbClr val="141414"/>
+                </a:solidFill>
+              </a:defRPr>
+            </a:pPr>
+            <a:r>
+              <a:t>Mémoire</a:t>
+            </a:r>
+          </a:p>
+        </p:txBody>
+      </p:sp>
+      <p:pic>
+        <p:nvPicPr>
+          <p:cNvPr id="4" name="Picture 3" descr="4-memory.png"/>
+          <p:cNvPicPr>
+            <a:picLocks noChangeAspect="1"/>
+          </p:cNvPicPr>
+          <p:nvPr/>
+        </p:nvPicPr>
+        <p:blipFill>
+          <a:blip r:embed="rId3"/>
+          <a:stretch>
+            <a:fillRect/>
+          </a:stretch>
+        </p:blipFill>
+        <p:spPr>
+          <a:xfrm>
+            <a:off x="914400" y="1828800"/>
+            <a:ext cx="9144000" cy="5715000"/>
+          </a:xfrm>
+          <a:prstGeom prst="rect">
+            <a:avLst/>
+          </a:prstGeom>
+        </p:spPr>
+      </p:pic>
+    </p:spTree>
+  </p:cSld>
+  <p:clrMapOvr>
+    <a:masterClrMapping/>
+  </p:clrMapOvr>
+</p:sld>
+</file>
+
+<file path=ppt/slides/slide13.xml><?xml version="1.0" encoding="utf-8"?>
+<p:sld xmlns:a="http://schemas.openxmlformats.org/drawingml/2006/main" xmlns:p="http://schemas.openxmlformats.org/presentationml/2006/main" xmlns:r="http://schemas.openxmlformats.org/officeDocument/2006/relationships">
+  <p:cSld>
+    <p:spTree>
+      <p:nvGrpSpPr>
+        <p:cNvPr id="1" name=""/>
+        <p:cNvGrpSpPr/>
+        <p:nvPr/>
+      </p:nvGrpSpPr>
+      <p:grpSpPr/>
+      <p:pic>
+        <p:nvPicPr>
+          <p:cNvPr id="2" name="Picture 1" descr="bg_light.png"/>
+          <p:cNvPicPr>
+            <a:picLocks noChangeAspect="1"/>
+          </p:cNvPicPr>
+          <p:nvPr/>
+        </p:nvPicPr>
+        <p:blipFill>
+          <a:blip r:embed="rId2"/>
+          <a:stretch>
+            <a:fillRect/>
+          </a:stretch>
+        </p:blipFill>
+        <p:spPr>
+          <a:xfrm>
+            <a:off x="0" y="0"/>
+            <a:ext cx="9144000" cy="6858000"/>
+          </a:xfrm>
+          <a:prstGeom prst="rect">
+            <a:avLst/>
+          </a:prstGeom>
+        </p:spPr>
+      </p:pic>
+      <p:sp>
+        <p:nvSpPr>
+          <p:cNvPr id="3" name="TextBox 2"/>
+          <p:cNvSpPr txBox="1"/>
+          <p:nvPr/>
+        </p:nvSpPr>
+        <p:spPr>
+          <a:xfrm>
+            <a:off x="640080" y="640080"/>
+            <a:ext cx="9144000" cy="914400"/>
+          </a:xfrm>
+          <a:prstGeom prst="rect">
+            <a:avLst/>
+          </a:prstGeom>
+          <a:noFill/>
+        </p:spPr>
+        <p:txBody>
+          <a:bodyPr wrap="none">
+            <a:spAutoFit/>
+          </a:bodyPr>
+          <a:lstStyle/>
+          <a:p>
+            <a:pPr>
+              <a:defRPr sz="3600" b="1">
+                <a:solidFill>
+                  <a:srgbClr val="141414"/>
+                </a:solidFill>
+              </a:defRPr>
+            </a:pPr>
+            <a:r>
+              <a:t>Speedup Multi-thread</a:t>
+            </a:r>
+          </a:p>
+        </p:txBody>
+      </p:sp>
+      <p:pic>
+        <p:nvPicPr>
+          <p:cNvPr id="4" name="Picture 3" descr="5-speedup.png"/>
+          <p:cNvPicPr>
+            <a:picLocks noChangeAspect="1"/>
+          </p:cNvPicPr>
+          <p:nvPr/>
+        </p:nvPicPr>
+        <p:blipFill>
+          <a:blip r:embed="rId3"/>
+          <a:stretch>
+            <a:fillRect/>
+          </a:stretch>
+        </p:blipFill>
+        <p:spPr>
+          <a:xfrm>
+            <a:off x="914400" y="1828800"/>
+            <a:ext cx="9144000" cy="5715000"/>
+          </a:xfrm>
+          <a:prstGeom prst="rect">
+            <a:avLst/>
+          </a:prstGeom>
+        </p:spPr>
+      </p:pic>
+    </p:spTree>
+  </p:cSld>
+  <p:clrMapOvr>
+    <a:masterClrMapping/>
+  </p:clrMapOvr>
+</p:sld>
+</file>
+
+<file path=ppt/slides/slide14.xml><?xml version="1.0" encoding="utf-8"?>
+<p:sld xmlns:a="http://schemas.openxmlformats.org/drawingml/2006/main" xmlns:p="http://schemas.openxmlformats.org/presentationml/2006/main" xmlns:r="http://schemas.openxmlformats.org/officeDocument/2006/relationships">
+  <p:cSld>
+    <p:spTree>
+      <p:nvGrpSpPr>
+        <p:cNvPr id="1" name=""/>
+        <p:cNvGrpSpPr/>
+        <p:nvPr/>
+      </p:nvGrpSpPr>
+      <p:grpSpPr/>
+      <p:pic>
+        <p:nvPicPr>
+          <p:cNvPr id="2" name="Picture 1" descr="bg_light.png"/>
+          <p:cNvPicPr>
+            <a:picLocks noChangeAspect="1"/>
+          </p:cNvPicPr>
+          <p:nvPr/>
+        </p:nvPicPr>
+        <p:blipFill>
+          <a:blip r:embed="rId2"/>
+          <a:stretch>
+            <a:fillRect/>
+          </a:stretch>
+        </p:blipFill>
+        <p:spPr>
+          <a:xfrm>
+            <a:off x="0" y="0"/>
+            <a:ext cx="9144000" cy="6858000"/>
+          </a:xfrm>
+          <a:prstGeom prst="rect">
+            <a:avLst/>
+          </a:prstGeom>
+        </p:spPr>
+      </p:pic>
+      <p:sp>
+        <p:nvSpPr>
+          <p:cNvPr id="3" name="TextBox 2"/>
+          <p:cNvSpPr txBox="1"/>
+          <p:nvPr/>
+        </p:nvSpPr>
+        <p:spPr>
+          <a:xfrm>
+            <a:off x="640080" y="457200"/>
+            <a:ext cx="9144000" cy="731520"/>
+          </a:xfrm>
+          <a:prstGeom prst="rect">
+            <a:avLst/>
+          </a:prstGeom>
+          <a:noFill/>
+        </p:spPr>
+        <p:txBody>
+          <a:bodyPr wrap="none">
+            <a:spAutoFit/>
+          </a:bodyPr>
+          <a:lstStyle/>
+          <a:p>
+            <a:pPr>
+              <a:defRPr sz="3400" b="1">
+                <a:solidFill>
+                  <a:srgbClr val="141414"/>
+                </a:solidFill>
+              </a:defRPr>
+            </a:pPr>
+            <a:r>
+              <a:t>HTTP – Parser &amp; Réponses (http.c)</a:t>
+            </a:r>
+          </a:p>
+        </p:txBody>
+      </p:sp>
+      <p:sp>
+        <p:nvSpPr>
+          <p:cNvPr id="4" name="TextBox 3"/>
+          <p:cNvSpPr txBox="1"/>
+          <p:nvPr/>
+        </p:nvSpPr>
+        <p:spPr>
+          <a:xfrm>
+            <a:off x="640080" y="1280160"/>
+            <a:ext cx="9144000" cy="1828800"/>
+          </a:xfrm>
+          <a:prstGeom prst="rect">
+            <a:avLst/>
+          </a:prstGeom>
+          <a:noFill/>
+        </p:spPr>
+        <p:txBody>
+          <a:bodyPr wrap="square">
+            <a:spAutoFit/>
+          </a:bodyPr>
+          <a:lstStyle/>
+          <a:p>
+            <a:pPr>
+              <a:defRPr sz="1800">
+                <a:solidFill>
+                  <a:srgbClr val="282828"/>
+                </a:solidFill>
+              </a:defRPr>
+            </a:pPr>
+            <a:r>
+              <a:t>Implémente le parsing de la ligne de requête HTTP (méthode, chemin, query).</a:t>
+            </a:r>
+          </a:p>
+          <a:p>
+            <a:pPr>
+              <a:defRPr sz="1800">
+                <a:solidFill>
+                  <a:srgbClr val="282828"/>
+                </a:solidFill>
+              </a:defRPr>
+            </a:pPr>
+            <a:r>
+              <a:t>Gère un découpage robuste des espaces et des paramètres après '?'.</a:t>
+            </a:r>
+          </a:p>
+          <a:p>
+            <a:pPr>
+              <a:defRPr sz="1800">
+                <a:solidFill>
+                  <a:srgbClr val="282828"/>
+                </a:solidFill>
+              </a:defRPr>
+            </a:pPr>
+            <a:r>
+              <a:t>Fournit une API simple pour les serveurs : parse_http_request() + send_http_response().</a:t>
+            </a:r>
+          </a:p>
+          <a:p>
+            <a:pPr>
+              <a:defRPr sz="1800">
+                <a:solidFill>
+                  <a:srgbClr val="282828"/>
+                </a:solidFill>
+              </a:defRPr>
+            </a:pPr>
+            <a:r>
+              <a:t>Encapsule la construction d’une réponse HTTP 1.1 (status line, headers, body).</a:t>
+            </a:r>
+          </a:p>
+        </p:txBody>
+      </p:sp>
+      <p:pic>
+        <p:nvPicPr>
+          <p:cNvPr id="5" name="Picture 4" descr="code_http_c.png"/>
+          <p:cNvPicPr>
+            <a:picLocks noChangeAspect="1"/>
+          </p:cNvPicPr>
+          <p:nvPr/>
+        </p:nvPicPr>
+        <p:blipFill>
+          <a:blip r:embed="rId3"/>
+          <a:stretch>
+            <a:fillRect/>
+          </a:stretch>
+        </p:blipFill>
+        <p:spPr>
+          <a:xfrm>
+            <a:off x="640080" y="2743200"/>
+            <a:ext cx="9601200" cy="12412532"/>
+          </a:xfrm>
+          <a:prstGeom prst="rect">
+            <a:avLst/>
+          </a:prstGeom>
+        </p:spPr>
+      </p:pic>
+    </p:spTree>
+  </p:cSld>
+  <p:clrMapOvr>
+    <a:masterClrMapping/>
+  </p:clrMapOvr>
+</p:sld>
+</file>
+
+<file path=ppt/slides/slide15.xml><?xml version="1.0" encoding="utf-8"?>
+<p:sld xmlns:a="http://schemas.openxmlformats.org/drawingml/2006/main" xmlns:p="http://schemas.openxmlformats.org/presentationml/2006/main" xmlns:r="http://schemas.openxmlformats.org/officeDocument/2006/relationships">
+  <p:cSld>
+    <p:spTree>
+      <p:nvGrpSpPr>
+        <p:cNvPr id="1" name=""/>
+        <p:cNvGrpSpPr/>
+        <p:nvPr/>
+      </p:nvGrpSpPr>
+      <p:grpSpPr/>
+      <p:pic>
+        <p:nvPicPr>
+          <p:cNvPr id="2" name="Picture 1" descr="bg_light.png"/>
+          <p:cNvPicPr>
+            <a:picLocks noChangeAspect="1"/>
+          </p:cNvPicPr>
+          <p:nvPr/>
+        </p:nvPicPr>
+        <p:blipFill>
+          <a:blip r:embed="rId2"/>
+          <a:stretch>
+            <a:fillRect/>
+          </a:stretch>
+        </p:blipFill>
+        <p:spPr>
+          <a:xfrm>
+            <a:off x="0" y="0"/>
+            <a:ext cx="9144000" cy="6858000"/>
+          </a:xfrm>
+          <a:prstGeom prst="rect">
+            <a:avLst/>
+          </a:prstGeom>
+        </p:spPr>
+      </p:pic>
+      <p:sp>
+        <p:nvSpPr>
+          <p:cNvPr id="3" name="TextBox 2"/>
+          <p:cNvSpPr txBox="1"/>
+          <p:nvPr/>
+        </p:nvSpPr>
+        <p:spPr>
+          <a:xfrm>
+            <a:off x="640080" y="457200"/>
+            <a:ext cx="9144000" cy="731520"/>
+          </a:xfrm>
+          <a:prstGeom prst="rect">
+            <a:avLst/>
+          </a:prstGeom>
+          <a:noFill/>
+        </p:spPr>
+        <p:txBody>
+          <a:bodyPr wrap="none">
+            <a:spAutoFit/>
+          </a:bodyPr>
+          <a:lstStyle/>
+          <a:p>
+            <a:pPr>
+              <a:defRPr sz="3400" b="1">
+                <a:solidFill>
+                  <a:srgbClr val="141414"/>
+                </a:solidFill>
+              </a:defRPr>
+            </a:pPr>
+            <a:r>
+              <a:t>HTTP – Interface &amp; Constantes (http.h)</a:t>
+            </a:r>
+          </a:p>
+        </p:txBody>
+      </p:sp>
+      <p:sp>
+        <p:nvSpPr>
+          <p:cNvPr id="4" name="TextBox 3"/>
+          <p:cNvSpPr txBox="1"/>
+          <p:nvPr/>
+        </p:nvSpPr>
+        <p:spPr>
+          <a:xfrm>
+            <a:off x="640080" y="1280160"/>
+            <a:ext cx="9144000" cy="1828800"/>
+          </a:xfrm>
+          <a:prstGeom prst="rect">
+            <a:avLst/>
+          </a:prstGeom>
+          <a:noFill/>
+        </p:spPr>
+        <p:txBody>
+          <a:bodyPr wrap="square">
+            <a:spAutoFit/>
+          </a:bodyPr>
+          <a:lstStyle/>
+          <a:p>
+            <a:pPr>
+              <a:defRPr sz="1800">
+                <a:solidFill>
+                  <a:srgbClr val="282828"/>
+                </a:solidFill>
+              </a:defRPr>
+            </a:pPr>
+            <a:r>
+              <a:t>Expose les prototypes du parser et de l’émetteur de réponse HTTP.</a:t>
+            </a:r>
+          </a:p>
+          <a:p>
+            <a:pPr>
+              <a:defRPr sz="1800">
+                <a:solidFill>
+                  <a:srgbClr val="282828"/>
+                </a:solidFill>
+              </a:defRPr>
+            </a:pPr>
+            <a:r>
+              <a:t>Centralise les tailles de buffers et types utilisés côté HTTP.</a:t>
+            </a:r>
+          </a:p>
+          <a:p>
+            <a:pPr>
+              <a:defRPr sz="1800">
+                <a:solidFill>
+                  <a:srgbClr val="282828"/>
+                </a:solidFill>
+              </a:defRPr>
+            </a:pPr>
+            <a:r>
+              <a:t>Permet de partager le même moteur HTTP entre serveur mono et multi-thread.</a:t>
+            </a:r>
+          </a:p>
+        </p:txBody>
+      </p:sp>
+      <p:pic>
+        <p:nvPicPr>
+          <p:cNvPr id="5" name="Picture 4" descr="code_http_h.png"/>
+          <p:cNvPicPr>
+            <a:picLocks noChangeAspect="1"/>
+          </p:cNvPicPr>
+          <p:nvPr/>
+        </p:nvPicPr>
+        <p:blipFill>
+          <a:blip r:embed="rId3"/>
+          <a:stretch>
+            <a:fillRect/>
+          </a:stretch>
+        </p:blipFill>
+        <p:spPr>
+          <a:xfrm>
+            <a:off x="640080" y="2743200"/>
+            <a:ext cx="9601200" cy="7471437"/>
+          </a:xfrm>
+          <a:prstGeom prst="rect">
+            <a:avLst/>
+          </a:prstGeom>
+        </p:spPr>
+      </p:pic>
+    </p:spTree>
+  </p:cSld>
+  <p:clrMapOvr>
+    <a:masterClrMapping/>
+  </p:clrMapOvr>
+</p:sld>
+</file>
+
+<file path=ppt/slides/slide16.xml><?xml version="1.0" encoding="utf-8"?>
+<p:sld xmlns:a="http://schemas.openxmlformats.org/drawingml/2006/main" xmlns:p="http://schemas.openxmlformats.org/presentationml/2006/main" xmlns:r="http://schemas.openxmlformats.org/officeDocument/2006/relationships">
+  <p:cSld>
+    <p:spTree>
+      <p:nvGrpSpPr>
+        <p:cNvPr id="1" name=""/>
+        <p:cNvGrpSpPr/>
+        <p:nvPr/>
+      </p:nvGrpSpPr>
+      <p:grpSpPr/>
+      <p:pic>
+        <p:nvPicPr>
+          <p:cNvPr id="2" name="Picture 1" descr="bg_light.png"/>
+          <p:cNvPicPr>
+            <a:picLocks noChangeAspect="1"/>
+          </p:cNvPicPr>
+          <p:nvPr/>
+        </p:nvPicPr>
+        <p:blipFill>
+          <a:blip r:embed="rId2"/>
+          <a:stretch>
+            <a:fillRect/>
+          </a:stretch>
+        </p:blipFill>
+        <p:spPr>
+          <a:xfrm>
+            <a:off x="0" y="0"/>
+            <a:ext cx="9144000" cy="6858000"/>
+          </a:xfrm>
+          <a:prstGeom prst="rect">
+            <a:avLst/>
+          </a:prstGeom>
+        </p:spPr>
+      </p:pic>
+      <p:sp>
+        <p:nvSpPr>
+          <p:cNvPr id="3" name="TextBox 2"/>
+          <p:cNvSpPr txBox="1"/>
+          <p:nvPr/>
+        </p:nvSpPr>
+        <p:spPr>
+          <a:xfrm>
+            <a:off x="640080" y="457200"/>
+            <a:ext cx="9144000" cy="731520"/>
+          </a:xfrm>
+          <a:prstGeom prst="rect">
+            <a:avLst/>
+          </a:prstGeom>
+          <a:noFill/>
+        </p:spPr>
+        <p:txBody>
+          <a:bodyPr wrap="none">
+            <a:spAutoFit/>
+          </a:bodyPr>
+          <a:lstStyle/>
+          <a:p>
+            <a:pPr>
+              <a:defRPr sz="3400" b="1">
+                <a:solidFill>
+                  <a:srgbClr val="141414"/>
+                </a:solidFill>
+              </a:defRPr>
+            </a:pPr>
+            <a:r>
+              <a:t>Queue FIFO Thread-Safe (queue.c)</a:t>
+            </a:r>
+          </a:p>
+        </p:txBody>
+      </p:sp>
+      <p:sp>
+        <p:nvSpPr>
+          <p:cNvPr id="4" name="TextBox 3"/>
+          <p:cNvSpPr txBox="1"/>
+          <p:nvPr/>
+        </p:nvSpPr>
+        <p:spPr>
+          <a:xfrm>
+            <a:off x="640080" y="1280160"/>
+            <a:ext cx="9144000" cy="1828800"/>
+          </a:xfrm>
+          <a:prstGeom prst="rect">
+            <a:avLst/>
+          </a:prstGeom>
+          <a:noFill/>
+        </p:spPr>
+        <p:txBody>
+          <a:bodyPr wrap="square">
+            <a:spAutoFit/>
+          </a:bodyPr>
+          <a:lstStyle/>
+          <a:p>
+            <a:pPr>
+              <a:defRPr sz="1800">
+                <a:solidFill>
+                  <a:srgbClr val="282828"/>
+                </a:solidFill>
+              </a:defRPr>
+            </a:pPr>
+            <a:r>
+              <a:t>Implémente une file FIFO bornée, thread-safe, utilisée par le serveur multi-thread.</a:t>
+            </a:r>
+          </a:p>
+          <a:p>
+            <a:pPr>
+              <a:defRPr sz="1800">
+                <a:solidFill>
+                  <a:srgbClr val="282828"/>
+                </a:solidFill>
+              </a:defRPr>
+            </a:pPr>
+            <a:r>
+              <a:t>Utilise un mutex + 2 variables de condition (not_empty / not_full).</a:t>
+            </a:r>
+          </a:p>
+          <a:p>
+            <a:pPr>
+              <a:defRPr sz="1800">
+                <a:solidFill>
+                  <a:srgbClr val="282828"/>
+                </a:solidFill>
+              </a:defRPr>
+            </a:pPr>
+            <a:r>
+              <a:t>Supporte un mode shutdown propre pour réveiller tous les workers et le dispatcher.</a:t>
+            </a:r>
+          </a:p>
+          <a:p>
+            <a:pPr>
+              <a:defRPr sz="1800">
+                <a:solidFill>
+                  <a:srgbClr val="282828"/>
+                </a:solidFill>
+              </a:defRPr>
+            </a:pPr>
+            <a:r>
+              <a:t>Assure un comportement strictement FIFO et évite les conditions de course.</a:t>
+            </a:r>
+          </a:p>
+        </p:txBody>
+      </p:sp>
+      <p:pic>
+        <p:nvPicPr>
+          <p:cNvPr id="5" name="Picture 4" descr="code_queue_c.png"/>
+          <p:cNvPicPr>
+            <a:picLocks noChangeAspect="1"/>
+          </p:cNvPicPr>
+          <p:nvPr/>
+        </p:nvPicPr>
+        <p:blipFill>
+          <a:blip r:embed="rId3"/>
+          <a:stretch>
+            <a:fillRect/>
+          </a:stretch>
+        </p:blipFill>
+        <p:spPr>
+          <a:xfrm>
+            <a:off x="640080" y="2743200"/>
+            <a:ext cx="9601200" cy="22584038"/>
+          </a:xfrm>
+          <a:prstGeom prst="rect">
+            <a:avLst/>
+          </a:prstGeom>
+        </p:spPr>
+      </p:pic>
+    </p:spTree>
+  </p:cSld>
+  <p:clrMapOvr>
+    <a:masterClrMapping/>
+  </p:clrMapOvr>
+</p:sld>
+</file>
+
+<file path=ppt/slides/slide17.xml><?xml version="1.0" encoding="utf-8"?>
+<p:sld xmlns:a="http://schemas.openxmlformats.org/drawingml/2006/main" xmlns:p="http://schemas.openxmlformats.org/presentationml/2006/main" xmlns:r="http://schemas.openxmlformats.org/officeDocument/2006/relationships">
+  <p:cSld>
+    <p:spTree>
+      <p:nvGrpSpPr>
+        <p:cNvPr id="1" name=""/>
+        <p:cNvGrpSpPr/>
+        <p:nvPr/>
+      </p:nvGrpSpPr>
+      <p:grpSpPr/>
+      <p:pic>
+        <p:nvPicPr>
+          <p:cNvPr id="2" name="Picture 1" descr="bg_light.png"/>
+          <p:cNvPicPr>
+            <a:picLocks noChangeAspect="1"/>
+          </p:cNvPicPr>
+          <p:nvPr/>
+        </p:nvPicPr>
+        <p:blipFill>
+          <a:blip r:embed="rId2"/>
+          <a:stretch>
+            <a:fillRect/>
+          </a:stretch>
+        </p:blipFill>
+        <p:spPr>
+          <a:xfrm>
+            <a:off x="0" y="0"/>
+            <a:ext cx="9144000" cy="6858000"/>
+          </a:xfrm>
+          <a:prstGeom prst="rect">
+            <a:avLst/>
+          </a:prstGeom>
+        </p:spPr>
+      </p:pic>
+      <p:sp>
+        <p:nvSpPr>
+          <p:cNvPr id="3" name="TextBox 2"/>
+          <p:cNvSpPr txBox="1"/>
+          <p:nvPr/>
+        </p:nvSpPr>
+        <p:spPr>
+          <a:xfrm>
+            <a:off x="640080" y="457200"/>
+            <a:ext cx="9144000" cy="731520"/>
+          </a:xfrm>
+          <a:prstGeom prst="rect">
+            <a:avLst/>
+          </a:prstGeom>
+          <a:noFill/>
+        </p:spPr>
+        <p:txBody>
+          <a:bodyPr wrap="none">
+            <a:spAutoFit/>
+          </a:bodyPr>
+          <a:lstStyle/>
+          <a:p>
+            <a:pPr>
+              <a:defRPr sz="3400" b="1">
+                <a:solidFill>
+                  <a:srgbClr val="141414"/>
+                </a:solidFill>
+              </a:defRPr>
+            </a:pPr>
+            <a:r>
+              <a:t>Queue FIFO – Interface (queue.h)</a:t>
+            </a:r>
+          </a:p>
+        </p:txBody>
+      </p:sp>
+      <p:sp>
+        <p:nvSpPr>
+          <p:cNvPr id="4" name="TextBox 3"/>
+          <p:cNvSpPr txBox="1"/>
+          <p:nvPr/>
+        </p:nvSpPr>
+        <p:spPr>
+          <a:xfrm>
+            <a:off x="640080" y="1280160"/>
+            <a:ext cx="9144000" cy="1828800"/>
+          </a:xfrm>
+          <a:prstGeom prst="rect">
+            <a:avLst/>
+          </a:prstGeom>
+          <a:noFill/>
+        </p:spPr>
+        <p:txBody>
+          <a:bodyPr wrap="square">
+            <a:spAutoFit/>
+          </a:bodyPr>
+          <a:lstStyle/>
+          <a:p>
+            <a:pPr>
+              <a:defRPr sz="1800">
+                <a:solidFill>
+                  <a:srgbClr val="282828"/>
+                </a:solidFill>
+              </a:defRPr>
+            </a:pPr>
+            <a:r>
+              <a:t>Définit la structure queue_t (head, tail, size, size_max, mutex, cond).</a:t>
+            </a:r>
+          </a:p>
+          <a:p>
+            <a:pPr>
+              <a:defRPr sz="1800">
+                <a:solidFill>
+                  <a:srgbClr val="282828"/>
+                </a:solidFill>
+              </a:defRPr>
+            </a:pPr>
+            <a:r>
+              <a:t>Expose queue_init(), queue_push(), queue_pop(), queue_shutdown(), queue_destroy().</a:t>
+            </a:r>
+          </a:p>
+          <a:p>
+            <a:pPr>
+              <a:defRPr sz="1800">
+                <a:solidFill>
+                  <a:srgbClr val="282828"/>
+                </a:solidFill>
+              </a:defRPr>
+            </a:pPr>
+            <a:r>
+              <a:t>Permet de réutiliser la même abstration pour TCP et HTTP (multi-thread).</a:t>
+            </a:r>
+          </a:p>
+        </p:txBody>
+      </p:sp>
+      <p:pic>
+        <p:nvPicPr>
+          <p:cNvPr id="5" name="Picture 4" descr="code_queue_h.png"/>
+          <p:cNvPicPr>
+            <a:picLocks noChangeAspect="1"/>
+          </p:cNvPicPr>
+          <p:nvPr/>
+        </p:nvPicPr>
+        <p:blipFill>
+          <a:blip r:embed="rId3"/>
+          <a:stretch>
+            <a:fillRect/>
+          </a:stretch>
+        </p:blipFill>
+        <p:spPr>
+          <a:xfrm>
+            <a:off x="640080" y="2743200"/>
+            <a:ext cx="9601200" cy="9084212"/>
+          </a:xfrm>
+          <a:prstGeom prst="rect">
+            <a:avLst/>
+          </a:prstGeom>
+        </p:spPr>
+      </p:pic>
+    </p:spTree>
+  </p:cSld>
+  <p:clrMapOvr>
+    <a:masterClrMapping/>
+  </p:clrMapOvr>
+</p:sld>
+</file>
+
+<file path=ppt/slides/slide18.xml><?xml version="1.0" encoding="utf-8"?>
+<p:sld xmlns:a="http://schemas.openxmlformats.org/drawingml/2006/main" xmlns:p="http://schemas.openxmlformats.org/presentationml/2006/main" xmlns:r="http://schemas.openxmlformats.org/officeDocument/2006/relationships">
+  <p:cSld>
+    <p:spTree>
+      <p:nvGrpSpPr>
+        <p:cNvPr id="1" name=""/>
+        <p:cNvGrpSpPr/>
+        <p:nvPr/>
+      </p:nvGrpSpPr>
+      <p:grpSpPr/>
+      <p:pic>
+        <p:nvPicPr>
+          <p:cNvPr id="2" name="Picture 1" descr="bg_light.png"/>
+          <p:cNvPicPr>
+            <a:picLocks noChangeAspect="1"/>
+          </p:cNvPicPr>
+          <p:nvPr/>
+        </p:nvPicPr>
+        <p:blipFill>
+          <a:blip r:embed="rId2"/>
+          <a:stretch>
+            <a:fillRect/>
+          </a:stretch>
+        </p:blipFill>
+        <p:spPr>
+          <a:xfrm>
+            <a:off x="0" y="0"/>
+            <a:ext cx="9144000" cy="6858000"/>
+          </a:xfrm>
+          <a:prstGeom prst="rect">
+            <a:avLst/>
+          </a:prstGeom>
+        </p:spPr>
+      </p:pic>
+      <p:sp>
+        <p:nvSpPr>
+          <p:cNvPr id="3" name="TextBox 2"/>
+          <p:cNvSpPr txBox="1"/>
+          <p:nvPr/>
+        </p:nvSpPr>
+        <p:spPr>
+          <a:xfrm>
+            <a:off x="640080" y="457200"/>
+            <a:ext cx="9144000" cy="731520"/>
+          </a:xfrm>
+          <a:prstGeom prst="rect">
+            <a:avLst/>
+          </a:prstGeom>
+          <a:noFill/>
+        </p:spPr>
+        <p:txBody>
+          <a:bodyPr wrap="none">
+            <a:spAutoFit/>
+          </a:bodyPr>
+          <a:lstStyle/>
+          <a:p>
+            <a:pPr>
+              <a:defRPr sz="3400" b="1">
+                <a:solidFill>
+                  <a:srgbClr val="141414"/>
+                </a:solidFill>
+              </a:defRPr>
+            </a:pPr>
+            <a:r>
+              <a:t>Serveur TCP Mono-thread (serveur_mono.c)</a:t>
+            </a:r>
+          </a:p>
+        </p:txBody>
+      </p:sp>
+      <p:sp>
+        <p:nvSpPr>
+          <p:cNvPr id="4" name="TextBox 3"/>
+          <p:cNvSpPr txBox="1"/>
+          <p:nvPr/>
+        </p:nvSpPr>
+        <p:spPr>
+          <a:xfrm>
+            <a:off x="640080" y="1280160"/>
+            <a:ext cx="9144000" cy="1828800"/>
+          </a:xfrm>
+          <a:prstGeom prst="rect">
+            <a:avLst/>
+          </a:prstGeom>
+          <a:noFill/>
+        </p:spPr>
+        <p:txBody>
+          <a:bodyPr wrap="square">
+            <a:spAutoFit/>
+          </a:bodyPr>
+          <a:lstStyle/>
+          <a:p>
+            <a:pPr>
+              <a:defRPr sz="1800">
+                <a:solidFill>
+                  <a:srgbClr val="282828"/>
+                </a:solidFill>
+              </a:defRPr>
+            </a:pPr>
+            <a:r>
+              <a:t>Boucle accept() → recv() → traitement_lourd() → send() pour un seul client à la fois.</a:t>
+            </a:r>
+          </a:p>
+          <a:p>
+            <a:pPr>
+              <a:defRPr sz="1800">
+                <a:solidFill>
+                  <a:srgbClr val="282828"/>
+                </a:solidFill>
+              </a:defRPr>
+            </a:pPr>
+            <a:r>
+              <a:t>Utilise un traitement CPU-bound simulé (~100ms) pour mesurer la saturation.</a:t>
+            </a:r>
+          </a:p>
+          <a:p>
+            <a:pPr>
+              <a:defRPr sz="1800">
+                <a:solidFill>
+                  <a:srgbClr val="282828"/>
+                </a:solidFill>
+              </a:defRPr>
+            </a:pPr>
+            <a:r>
+              <a:t>Renvoie le carré du nombre reçu (+ timestamp µs) au client.</a:t>
+            </a:r>
+          </a:p>
+          <a:p>
+            <a:pPr>
+              <a:defRPr sz="1800">
+                <a:solidFill>
+                  <a:srgbClr val="282828"/>
+                </a:solidFill>
+              </a:defRPr>
+            </a:pPr>
+            <a:r>
+              <a:t>SIGINT handler simple : fermeture du socket serveur et exit immédiat.</a:t>
+            </a:r>
+          </a:p>
+        </p:txBody>
+      </p:sp>
+      <p:pic>
+        <p:nvPicPr>
+          <p:cNvPr id="5" name="Picture 4" descr="code_serveur_mono_c.png"/>
+          <p:cNvPicPr>
+            <a:picLocks noChangeAspect="1"/>
+          </p:cNvPicPr>
+          <p:nvPr/>
+        </p:nvPicPr>
+        <p:blipFill>
+          <a:blip r:embed="rId3"/>
+          <a:stretch>
+            <a:fillRect/>
+          </a:stretch>
+        </p:blipFill>
+        <p:spPr>
+          <a:xfrm>
+            <a:off x="640080" y="2743200"/>
+            <a:ext cx="9601200" cy="30778568"/>
+          </a:xfrm>
+          <a:prstGeom prst="rect">
+            <a:avLst/>
+          </a:prstGeom>
+        </p:spPr>
+      </p:pic>
+    </p:spTree>
+  </p:cSld>
+  <p:clrMapOvr>
+    <a:masterClrMapping/>
+  </p:clrMapOvr>
+</p:sld>
+</file>
+
+<file path=ppt/slides/slide19.xml><?xml version="1.0" encoding="utf-8"?>
+<p:sld xmlns:a="http://schemas.openxmlformats.org/drawingml/2006/main" xmlns:p="http://schemas.openxmlformats.org/presentationml/2006/main" xmlns:r="http://schemas.openxmlformats.org/officeDocument/2006/relationships">
+  <p:cSld>
+    <p:spTree>
+      <p:nvGrpSpPr>
+        <p:cNvPr id="1" name=""/>
+        <p:cNvGrpSpPr/>
+        <p:nvPr/>
+      </p:nvGrpSpPr>
+      <p:grpSpPr/>
+      <p:pic>
+        <p:nvPicPr>
+          <p:cNvPr id="2" name="Picture 1" descr="bg_light.png"/>
+          <p:cNvPicPr>
+            <a:picLocks noChangeAspect="1"/>
+          </p:cNvPicPr>
+          <p:nvPr/>
+        </p:nvPicPr>
+        <p:blipFill>
+          <a:blip r:embed="rId2"/>
+          <a:stretch>
+            <a:fillRect/>
+          </a:stretch>
+        </p:blipFill>
+        <p:spPr>
+          <a:xfrm>
+            <a:off x="0" y="0"/>
+            <a:ext cx="9144000" cy="6858000"/>
+          </a:xfrm>
+          <a:prstGeom prst="rect">
+            <a:avLst/>
+          </a:prstGeom>
+        </p:spPr>
+      </p:pic>
+      <p:sp>
+        <p:nvSpPr>
+          <p:cNvPr id="3" name="TextBox 2"/>
+          <p:cNvSpPr txBox="1"/>
+          <p:nvPr/>
+        </p:nvSpPr>
+        <p:spPr>
+          <a:xfrm>
+            <a:off x="640080" y="457200"/>
+            <a:ext cx="9144000" cy="731520"/>
+          </a:xfrm>
+          <a:prstGeom prst="rect">
+            <a:avLst/>
+          </a:prstGeom>
+          <a:noFill/>
+        </p:spPr>
+        <p:txBody>
+          <a:bodyPr wrap="none">
+            <a:spAutoFit/>
+          </a:bodyPr>
+          <a:lstStyle/>
+          <a:p>
+            <a:pPr>
+              <a:defRPr sz="3400" b="1">
+                <a:solidFill>
+                  <a:srgbClr val="141414"/>
+                </a:solidFill>
+              </a:defRPr>
+            </a:pPr>
+            <a:r>
+              <a:t>Serveur HTTP Mono-thread (serveur_mono_http.c)</a:t>
+            </a:r>
+          </a:p>
+        </p:txBody>
+      </p:sp>
+      <p:sp>
+        <p:nvSpPr>
+          <p:cNvPr id="4" name="TextBox 3"/>
+          <p:cNvSpPr txBox="1"/>
+          <p:nvPr/>
+        </p:nvSpPr>
+        <p:spPr>
+          <a:xfrm>
+            <a:off x="640080" y="1280160"/>
+            <a:ext cx="9144000" cy="1828800"/>
+          </a:xfrm>
+          <a:prstGeom prst="rect">
+            <a:avLst/>
+          </a:prstGeom>
+          <a:noFill/>
+        </p:spPr>
+        <p:txBody>
+          <a:bodyPr wrap="square">
+            <a:spAutoFit/>
+          </a:bodyPr>
+          <a:lstStyle/>
+          <a:p>
+            <a:pPr>
+              <a:defRPr sz="1800">
+                <a:solidFill>
+                  <a:srgbClr val="282828"/>
+                </a:solidFill>
+              </a:defRPr>
+            </a:pPr>
+            <a:r>
+              <a:t>Accepte les connexions une par une sur le port HTTP mono-thread (8080).</a:t>
+            </a:r>
+          </a:p>
+          <a:p>
+            <a:pPr>
+              <a:defRPr sz="1800">
+                <a:solidFill>
+                  <a:srgbClr val="282828"/>
+                </a:solidFill>
+              </a:defRPr>
+            </a:pPr>
+            <a:r>
+              <a:t>Parse la requête brute via http.c, route vers /, /hello, /time, /stats.</a:t>
+            </a:r>
+          </a:p>
+          <a:p>
+            <a:pPr>
+              <a:defRPr sz="1800">
+                <a:solidFill>
+                  <a:srgbClr val="282828"/>
+                </a:solidFill>
+              </a:defRPr>
+            </a:pPr>
+            <a:r>
+              <a:t>Gère des timeouts recv() pour éviter les connexions bloquées.</a:t>
+            </a:r>
+          </a:p>
+          <a:p>
+            <a:pPr>
+              <a:defRPr sz="1800">
+                <a:solidFill>
+                  <a:srgbClr val="282828"/>
+                </a:solidFill>
+              </a:defRPr>
+            </a:pPr>
+            <a:r>
+              <a:t>Idéal comme référence séquentielle pour comparer au multi-thread HTTP.</a:t>
+            </a:r>
+          </a:p>
+        </p:txBody>
+      </p:sp>
+      <p:pic>
+        <p:nvPicPr>
+          <p:cNvPr id="5" name="Picture 4" descr="code_serveur_mono_http_c.png"/>
+          <p:cNvPicPr>
+            <a:picLocks noChangeAspect="1"/>
+          </p:cNvPicPr>
+          <p:nvPr/>
+        </p:nvPicPr>
+        <p:blipFill>
+          <a:blip r:embed="rId3"/>
+          <a:stretch>
+            <a:fillRect/>
+          </a:stretch>
+        </p:blipFill>
+        <p:spPr>
+          <a:xfrm>
+            <a:off x="640080" y="2743200"/>
+            <a:ext cx="9601200" cy="38715590"/>
+          </a:xfrm>
+          <a:prstGeom prst="rect">
+            <a:avLst/>
+          </a:prstGeom>
+        </p:spPr>
+      </p:pic>
     </p:spTree>
   </p:cSld>
   <p:clrMapOvr>
@@ -3156,79 +4633,605 @@
         <p:nvPr/>
       </p:nvGrpSpPr>
       <p:grpSpPr/>
-      <p:sp>
-        <p:nvSpPr>
-          <p:cNvPr id="2" name="Title 1"/>
-          <p:cNvSpPr>
-            <a:spLocks noGrp="1"/>
-          </p:cNvSpPr>
-          <p:nvPr>
-            <p:ph type="title"/>
-          </p:nvPr>
-        </p:nvSpPr>
-        <p:spPr/>
-        <p:txBody>
-          <a:bodyPr/>
-          <a:lstStyle/>
-          <a:p>
-            <a:r>
-              <a:t>Plan de la présentation</a:t>
-            </a:r>
-          </a:p>
-        </p:txBody>
-      </p:sp>
-      <p:sp>
-        <p:nvSpPr>
-          <p:cNvPr id="3" name="Content Placeholder 2"/>
-          <p:cNvSpPr>
-            <a:spLocks noGrp="1"/>
-          </p:cNvSpPr>
-          <p:nvPr>
-            <p:ph idx="1"/>
-          </p:nvPr>
-        </p:nvSpPr>
-        <p:spPr/>
-        <p:txBody>
-          <a:bodyPr/>
-          <a:lstStyle/>
-          <a:p/>
-          <a:p>
-            <a:r>
-              <a:t>1. Architecture globale du projet</a:t>
-            </a:r>
-          </a:p>
-          <a:p>
-            <a:r>
-              <a:t>2. Serveur TCP mono-thread – Yassine</a:t>
-            </a:r>
-          </a:p>
-          <a:p>
-            <a:r>
-              <a:t>3. Serveur HTTP mono-thread – Islem</a:t>
-            </a:r>
-          </a:p>
-          <a:p>
-            <a:r>
-              <a:t>4. Serveur Multi-thread haute performance – Walid</a:t>
-            </a:r>
-          </a:p>
-          <a:p>
-            <a:r>
-              <a:t>5. Serveur HTTP Multi-thread – Ghada</a:t>
-            </a:r>
-          </a:p>
-          <a:p>
-            <a:r>
-              <a:t>6. Benchmarks &amp; Dashboard Python</a:t>
-            </a:r>
-          </a:p>
-          <a:p>
-            <a:r>
-              <a:t>7. Répartition finale des tâches du groupe</a:t>
-            </a:r>
-          </a:p>
-        </p:txBody>
-      </p:sp>
+      <p:pic>
+        <p:nvPicPr>
+          <p:cNvPr id="2" name="Picture 1" descr="bg_light.png"/>
+          <p:cNvPicPr>
+            <a:picLocks noChangeAspect="1"/>
+          </p:cNvPicPr>
+          <p:nvPr/>
+        </p:nvPicPr>
+        <p:blipFill>
+          <a:blip r:embed="rId2"/>
+          <a:stretch>
+            <a:fillRect/>
+          </a:stretch>
+        </p:blipFill>
+        <p:spPr>
+          <a:xfrm>
+            <a:off x="0" y="0"/>
+            <a:ext cx="9144000" cy="6858000"/>
+          </a:xfrm>
+          <a:prstGeom prst="rect">
+            <a:avLst/>
+          </a:prstGeom>
+        </p:spPr>
+      </p:pic>
+      <p:sp>
+        <p:nvSpPr>
+          <p:cNvPr id="3" name="TextBox 2"/>
+          <p:cNvSpPr txBox="1"/>
+          <p:nvPr/>
+        </p:nvSpPr>
+        <p:spPr>
+          <a:xfrm>
+            <a:off x="640080" y="640080"/>
+            <a:ext cx="9144000" cy="914400"/>
+          </a:xfrm>
+          <a:prstGeom prst="rect">
+            <a:avLst/>
+          </a:prstGeom>
+          <a:noFill/>
+        </p:spPr>
+        <p:txBody>
+          <a:bodyPr wrap="none">
+            <a:spAutoFit/>
+          </a:bodyPr>
+          <a:lstStyle/>
+          <a:p>
+            <a:pPr>
+              <a:defRPr sz="3600" b="1">
+                <a:solidFill>
+                  <a:srgbClr val="141414"/>
+                </a:solidFill>
+              </a:defRPr>
+            </a:pPr>
+            <a:r>
+              <a:t>Architecture Globale</a:t>
+            </a:r>
+          </a:p>
+        </p:txBody>
+      </p:sp>
+      <p:pic>
+        <p:nvPicPr>
+          <p:cNvPr id="4" name="Picture 3" descr="uml_architecture.png"/>
+          <p:cNvPicPr>
+            <a:picLocks noChangeAspect="1"/>
+          </p:cNvPicPr>
+          <p:nvPr/>
+        </p:nvPicPr>
+        <p:blipFill>
+          <a:blip r:embed="rId3"/>
+          <a:stretch>
+            <a:fillRect/>
+          </a:stretch>
+        </p:blipFill>
+        <p:spPr>
+          <a:xfrm>
+            <a:off x="914400" y="1828800"/>
+            <a:ext cx="9144000" cy="3972910"/>
+          </a:xfrm>
+          <a:prstGeom prst="rect">
+            <a:avLst/>
+          </a:prstGeom>
+        </p:spPr>
+      </p:pic>
+    </p:spTree>
+  </p:cSld>
+  <p:clrMapOvr>
+    <a:masterClrMapping/>
+  </p:clrMapOvr>
+</p:sld>
+</file>
+
+<file path=ppt/slides/slide20.xml><?xml version="1.0" encoding="utf-8"?>
+<p:sld xmlns:a="http://schemas.openxmlformats.org/drawingml/2006/main" xmlns:p="http://schemas.openxmlformats.org/presentationml/2006/main" xmlns:r="http://schemas.openxmlformats.org/officeDocument/2006/relationships">
+  <p:cSld>
+    <p:spTree>
+      <p:nvGrpSpPr>
+        <p:cNvPr id="1" name=""/>
+        <p:cNvGrpSpPr/>
+        <p:nvPr/>
+      </p:nvGrpSpPr>
+      <p:grpSpPr/>
+      <p:pic>
+        <p:nvPicPr>
+          <p:cNvPr id="2" name="Picture 1" descr="bg_light.png"/>
+          <p:cNvPicPr>
+            <a:picLocks noChangeAspect="1"/>
+          </p:cNvPicPr>
+          <p:nvPr/>
+        </p:nvPicPr>
+        <p:blipFill>
+          <a:blip r:embed="rId2"/>
+          <a:stretch>
+            <a:fillRect/>
+          </a:stretch>
+        </p:blipFill>
+        <p:spPr>
+          <a:xfrm>
+            <a:off x="0" y="0"/>
+            <a:ext cx="9144000" cy="6858000"/>
+          </a:xfrm>
+          <a:prstGeom prst="rect">
+            <a:avLst/>
+          </a:prstGeom>
+        </p:spPr>
+      </p:pic>
+      <p:sp>
+        <p:nvSpPr>
+          <p:cNvPr id="3" name="TextBox 2"/>
+          <p:cNvSpPr txBox="1"/>
+          <p:nvPr/>
+        </p:nvSpPr>
+        <p:spPr>
+          <a:xfrm>
+            <a:off x="640080" y="457200"/>
+            <a:ext cx="9144000" cy="731520"/>
+          </a:xfrm>
+          <a:prstGeom prst="rect">
+            <a:avLst/>
+          </a:prstGeom>
+          <a:noFill/>
+        </p:spPr>
+        <p:txBody>
+          <a:bodyPr wrap="none">
+            <a:spAutoFit/>
+          </a:bodyPr>
+          <a:lstStyle/>
+          <a:p>
+            <a:pPr>
+              <a:defRPr sz="3400" b="1">
+                <a:solidFill>
+                  <a:srgbClr val="141414"/>
+                </a:solidFill>
+              </a:defRPr>
+            </a:pPr>
+            <a:r>
+              <a:t>Serveur TCP Multi-thread (serveur_multi.c)</a:t>
+            </a:r>
+          </a:p>
+        </p:txBody>
+      </p:sp>
+      <p:sp>
+        <p:nvSpPr>
+          <p:cNvPr id="4" name="TextBox 3"/>
+          <p:cNvSpPr txBox="1"/>
+          <p:nvPr/>
+        </p:nvSpPr>
+        <p:spPr>
+          <a:xfrm>
+            <a:off x="640080" y="1280160"/>
+            <a:ext cx="9144000" cy="1828800"/>
+          </a:xfrm>
+          <a:prstGeom prst="rect">
+            <a:avLst/>
+          </a:prstGeom>
+          <a:noFill/>
+        </p:spPr>
+        <p:txBody>
+          <a:bodyPr wrap="square">
+            <a:spAutoFit/>
+          </a:bodyPr>
+          <a:lstStyle/>
+          <a:p>
+            <a:pPr>
+              <a:defRPr sz="1800">
+                <a:solidFill>
+                  <a:srgbClr val="282828"/>
+                </a:solidFill>
+              </a:defRPr>
+            </a:pPr>
+            <a:r>
+              <a:t>Crée un pool fixe de WORKER_COUNT threads dès le démarrage.</a:t>
+            </a:r>
+          </a:p>
+          <a:p>
+            <a:pPr>
+              <a:defRPr sz="1800">
+                <a:solidFill>
+                  <a:srgbClr val="282828"/>
+                </a:solidFill>
+              </a:defRPr>
+            </a:pPr>
+            <a:r>
+              <a:t>Le thread principal accepte les connexions et les pousse dans la queue FIFO.</a:t>
+            </a:r>
+          </a:p>
+          <a:p>
+            <a:pPr>
+              <a:defRPr sz="1800">
+                <a:solidFill>
+                  <a:srgbClr val="282828"/>
+                </a:solidFill>
+              </a:defRPr>
+            </a:pPr>
+            <a:r>
+              <a:t>Chaque worker dépile un fd, exécute traitement_lourd(), renvoie la réponse, ferme le fd.</a:t>
+            </a:r>
+          </a:p>
+          <a:p>
+            <a:pPr>
+              <a:defRPr sz="1800">
+                <a:solidFill>
+                  <a:srgbClr val="282828"/>
+                </a:solidFill>
+              </a:defRPr>
+            </a:pPr>
+            <a:r>
+              <a:t>Gère SIGINT + queue_shutdown() pour un arrêt propre sans deadlock.</a:t>
+            </a:r>
+          </a:p>
+        </p:txBody>
+      </p:sp>
+      <p:pic>
+        <p:nvPicPr>
+          <p:cNvPr id="5" name="Picture 4" descr="code_serveur_multi_c.png"/>
+          <p:cNvPicPr>
+            <a:picLocks noChangeAspect="1"/>
+          </p:cNvPicPr>
+          <p:nvPr/>
+        </p:nvPicPr>
+        <p:blipFill>
+          <a:blip r:embed="rId3"/>
+          <a:stretch>
+            <a:fillRect/>
+          </a:stretch>
+        </p:blipFill>
+        <p:spPr>
+          <a:xfrm>
+            <a:off x="640080" y="2743200"/>
+            <a:ext cx="9601200" cy="44703285"/>
+          </a:xfrm>
+          <a:prstGeom prst="rect">
+            <a:avLst/>
+          </a:prstGeom>
+        </p:spPr>
+      </p:pic>
+    </p:spTree>
+  </p:cSld>
+  <p:clrMapOvr>
+    <a:masterClrMapping/>
+  </p:clrMapOvr>
+</p:sld>
+</file>
+
+<file path=ppt/slides/slide21.xml><?xml version="1.0" encoding="utf-8"?>
+<p:sld xmlns:a="http://schemas.openxmlformats.org/drawingml/2006/main" xmlns:p="http://schemas.openxmlformats.org/presentationml/2006/main" xmlns:r="http://schemas.openxmlformats.org/officeDocument/2006/relationships">
+  <p:cSld>
+    <p:spTree>
+      <p:nvGrpSpPr>
+        <p:cNvPr id="1" name=""/>
+        <p:cNvGrpSpPr/>
+        <p:nvPr/>
+      </p:nvGrpSpPr>
+      <p:grpSpPr/>
+      <p:pic>
+        <p:nvPicPr>
+          <p:cNvPr id="2" name="Picture 1" descr="bg_light.png"/>
+          <p:cNvPicPr>
+            <a:picLocks noChangeAspect="1"/>
+          </p:cNvPicPr>
+          <p:nvPr/>
+        </p:nvPicPr>
+        <p:blipFill>
+          <a:blip r:embed="rId2"/>
+          <a:stretch>
+            <a:fillRect/>
+          </a:stretch>
+        </p:blipFill>
+        <p:spPr>
+          <a:xfrm>
+            <a:off x="0" y="0"/>
+            <a:ext cx="9144000" cy="6858000"/>
+          </a:xfrm>
+          <a:prstGeom prst="rect">
+            <a:avLst/>
+          </a:prstGeom>
+        </p:spPr>
+      </p:pic>
+      <p:sp>
+        <p:nvSpPr>
+          <p:cNvPr id="3" name="TextBox 2"/>
+          <p:cNvSpPr txBox="1"/>
+          <p:nvPr/>
+        </p:nvSpPr>
+        <p:spPr>
+          <a:xfrm>
+            <a:off x="640080" y="457200"/>
+            <a:ext cx="9144000" cy="731520"/>
+          </a:xfrm>
+          <a:prstGeom prst="rect">
+            <a:avLst/>
+          </a:prstGeom>
+          <a:noFill/>
+        </p:spPr>
+        <p:txBody>
+          <a:bodyPr wrap="none">
+            <a:spAutoFit/>
+          </a:bodyPr>
+          <a:lstStyle/>
+          <a:p>
+            <a:pPr>
+              <a:defRPr sz="3400" b="1">
+                <a:solidFill>
+                  <a:srgbClr val="141414"/>
+                </a:solidFill>
+              </a:defRPr>
+            </a:pPr>
+            <a:r>
+              <a:t>Serveur HTTP Multi-thread (serveur_multi_http.c)</a:t>
+            </a:r>
+          </a:p>
+        </p:txBody>
+      </p:sp>
+      <p:sp>
+        <p:nvSpPr>
+          <p:cNvPr id="4" name="TextBox 3"/>
+          <p:cNvSpPr txBox="1"/>
+          <p:nvPr/>
+        </p:nvSpPr>
+        <p:spPr>
+          <a:xfrm>
+            <a:off x="640080" y="1280160"/>
+            <a:ext cx="9144000" cy="1828800"/>
+          </a:xfrm>
+          <a:prstGeom prst="rect">
+            <a:avLst/>
+          </a:prstGeom>
+          <a:noFill/>
+        </p:spPr>
+        <p:txBody>
+          <a:bodyPr wrap="square">
+            <a:spAutoFit/>
+          </a:bodyPr>
+          <a:lstStyle/>
+          <a:p>
+            <a:pPr>
+              <a:defRPr sz="1800">
+                <a:solidFill>
+                  <a:srgbClr val="282828"/>
+                </a:solidFill>
+              </a:defRPr>
+            </a:pPr>
+            <a:r>
+              <a:t>Architecture identique à TCP multi-thread, mais au niveau HTTP 1.1 (port 8081).</a:t>
+            </a:r>
+          </a:p>
+          <a:p>
+            <a:pPr>
+              <a:defRPr sz="1800">
+                <a:solidFill>
+                  <a:srgbClr val="282828"/>
+                </a:solidFill>
+              </a:defRPr>
+            </a:pPr>
+            <a:r>
+              <a:t>Workers parse la requête HTTP, appellent route_request(), renvoient une réponse JSON/HTML.</a:t>
+            </a:r>
+          </a:p>
+          <a:p>
+            <a:pPr>
+              <a:defRPr sz="1800">
+                <a:solidFill>
+                  <a:srgbClr val="282828"/>
+                </a:solidFill>
+              </a:defRPr>
+            </a:pPr>
+            <a:r>
+              <a:t>Statistiques globales /stats protégées par mutex (total_requests, hello_requests, 404).</a:t>
+            </a:r>
+          </a:p>
+          <a:p>
+            <a:pPr>
+              <a:defRPr sz="1800">
+                <a:solidFill>
+                  <a:srgbClr val="282828"/>
+                </a:solidFill>
+              </a:defRPr>
+            </a:pPr>
+            <a:r>
+              <a:t>Utilise SO_RCVTIMEO pour limiter la durée de blocage sur recv().</a:t>
+            </a:r>
+          </a:p>
+        </p:txBody>
+      </p:sp>
+      <p:pic>
+        <p:nvPicPr>
+          <p:cNvPr id="5" name="Picture 4" descr="code_serveur_multi_http_c.png"/>
+          <p:cNvPicPr>
+            <a:picLocks noChangeAspect="1"/>
+          </p:cNvPicPr>
+          <p:nvPr/>
+        </p:nvPicPr>
+        <p:blipFill>
+          <a:blip r:embed="rId3"/>
+          <a:stretch>
+            <a:fillRect/>
+          </a:stretch>
+        </p:blipFill>
+        <p:spPr>
+          <a:xfrm>
+            <a:off x="640080" y="2743200"/>
+            <a:ext cx="9601200" cy="57270506"/>
+          </a:xfrm>
+          <a:prstGeom prst="rect">
+            <a:avLst/>
+          </a:prstGeom>
+        </p:spPr>
+      </p:pic>
+    </p:spTree>
+  </p:cSld>
+  <p:clrMapOvr>
+    <a:masterClrMapping/>
+  </p:clrMapOvr>
+</p:sld>
+</file>
+
+<file path=ppt/slides/slide22.xml><?xml version="1.0" encoding="utf-8"?>
+<p:sld xmlns:a="http://schemas.openxmlformats.org/drawingml/2006/main" xmlns:p="http://schemas.openxmlformats.org/presentationml/2006/main" xmlns:r="http://schemas.openxmlformats.org/officeDocument/2006/relationships">
+  <p:cSld>
+    <p:spTree>
+      <p:nvGrpSpPr>
+        <p:cNvPr id="1" name=""/>
+        <p:cNvGrpSpPr/>
+        <p:nvPr/>
+      </p:nvGrpSpPr>
+      <p:grpSpPr/>
+      <p:pic>
+        <p:nvPicPr>
+          <p:cNvPr id="2" name="Picture 1" descr="bg_light.png"/>
+          <p:cNvPicPr>
+            <a:picLocks noChangeAspect="1"/>
+          </p:cNvPicPr>
+          <p:nvPr/>
+        </p:nvPicPr>
+        <p:blipFill>
+          <a:blip r:embed="rId2"/>
+          <a:stretch>
+            <a:fillRect/>
+          </a:stretch>
+        </p:blipFill>
+        <p:spPr>
+          <a:xfrm>
+            <a:off x="0" y="0"/>
+            <a:ext cx="9144000" cy="6858000"/>
+          </a:xfrm>
+          <a:prstGeom prst="rect">
+            <a:avLst/>
+          </a:prstGeom>
+        </p:spPr>
+      </p:pic>
+      <p:sp>
+        <p:nvSpPr>
+          <p:cNvPr id="3" name="TextBox 2"/>
+          <p:cNvSpPr txBox="1"/>
+          <p:nvPr/>
+        </p:nvSpPr>
+        <p:spPr>
+          <a:xfrm>
+            <a:off x="640080" y="457200"/>
+            <a:ext cx="9144000" cy="731520"/>
+          </a:xfrm>
+          <a:prstGeom prst="rect">
+            <a:avLst/>
+          </a:prstGeom>
+          <a:noFill/>
+        </p:spPr>
+        <p:txBody>
+          <a:bodyPr wrap="none">
+            <a:spAutoFit/>
+          </a:bodyPr>
+          <a:lstStyle/>
+          <a:p>
+            <a:pPr>
+              <a:defRPr sz="3400" b="1">
+                <a:solidFill>
+                  <a:srgbClr val="141414"/>
+                </a:solidFill>
+              </a:defRPr>
+            </a:pPr>
+            <a:r>
+              <a:t>Client de Charge / Benchmarks (python/client_stress.py)</a:t>
+            </a:r>
+          </a:p>
+        </p:txBody>
+      </p:sp>
+      <p:sp>
+        <p:nvSpPr>
+          <p:cNvPr id="4" name="TextBox 3"/>
+          <p:cNvSpPr txBox="1"/>
+          <p:nvPr/>
+        </p:nvSpPr>
+        <p:spPr>
+          <a:xfrm>
+            <a:off x="640080" y="1280160"/>
+            <a:ext cx="9144000" cy="1828800"/>
+          </a:xfrm>
+          <a:prstGeom prst="rect">
+            <a:avLst/>
+          </a:prstGeom>
+          <a:noFill/>
+        </p:spPr>
+        <p:txBody>
+          <a:bodyPr wrap="square">
+            <a:spAutoFit/>
+          </a:bodyPr>
+          <a:lstStyle/>
+          <a:p>
+            <a:pPr>
+              <a:defRPr sz="1800">
+                <a:solidFill>
+                  <a:srgbClr val="282828"/>
+                </a:solidFill>
+              </a:defRPr>
+            </a:pPr>
+            <a:r>
+              <a:t>Génère des centaines de clients concurrents pour mesurer throughput et latence.</a:t>
+            </a:r>
+          </a:p>
+          <a:p>
+            <a:pPr>
+              <a:defRPr sz="1800">
+                <a:solidFill>
+                  <a:srgbClr val="282828"/>
+                </a:solidFill>
+              </a:defRPr>
+            </a:pPr>
+            <a:r>
+              <a:t>Ouvre des connexions TCP/HTTP, envoie des requêtes, collecte les temps de réponse.</a:t>
+            </a:r>
+          </a:p>
+          <a:p>
+            <a:pPr>
+              <a:defRPr sz="1800">
+                <a:solidFill>
+                  <a:srgbClr val="282828"/>
+                </a:solidFill>
+              </a:defRPr>
+            </a:pPr>
+            <a:r>
+              <a:t>Produit des métriques agrégées (P50, P95, P99, RPS) en JSON / Excel.</a:t>
+            </a:r>
+          </a:p>
+          <a:p>
+            <a:pPr>
+              <a:defRPr sz="1800">
+                <a:solidFill>
+                  <a:srgbClr val="282828"/>
+                </a:solidFill>
+              </a:defRPr>
+            </a:pPr>
+            <a:r>
+              <a:t>Alimente le dashboard Plotly + les figures utilisées dans la présentation.</a:t>
+            </a:r>
+          </a:p>
+        </p:txBody>
+      </p:sp>
+      <p:pic>
+        <p:nvPicPr>
+          <p:cNvPr id="5" name="Picture 4" descr="code_client_stress_py.png"/>
+          <p:cNvPicPr>
+            <a:picLocks noChangeAspect="1"/>
+          </p:cNvPicPr>
+          <p:nvPr/>
+        </p:nvPicPr>
+        <p:blipFill>
+          <a:blip r:embed="rId3"/>
+          <a:stretch>
+            <a:fillRect/>
+          </a:stretch>
+        </p:blipFill>
+        <p:spPr>
+          <a:xfrm>
+            <a:off x="640080" y="2743200"/>
+            <a:ext cx="9601200" cy="17516511"/>
+          </a:xfrm>
+          <a:prstGeom prst="rect">
+            <a:avLst/>
+          </a:prstGeom>
+        </p:spPr>
+      </p:pic>
     </p:spTree>
   </p:cSld>
   <p:clrMapOvr>
@@ -3247,64 +5250,89 @@
         <p:nvPr/>
       </p:nvGrpSpPr>
       <p:grpSpPr/>
-      <p:sp>
-        <p:nvSpPr>
-          <p:cNvPr id="2" name="Title 1"/>
-          <p:cNvSpPr>
-            <a:spLocks noGrp="1"/>
-          </p:cNvSpPr>
-          <p:nvPr>
-            <p:ph type="title"/>
-          </p:nvPr>
-        </p:nvSpPr>
-        <p:spPr/>
-        <p:txBody>
-          <a:bodyPr/>
-          <a:lstStyle/>
-          <a:p>
-            <a:r>
-              <a:t>TCP Mono-thread (Yassine)</a:t>
-            </a:r>
-          </a:p>
-        </p:txBody>
-      </p:sp>
-      <p:sp>
-        <p:nvSpPr>
-          <p:cNvPr id="3" name="Content Placeholder 2"/>
-          <p:cNvSpPr>
-            <a:spLocks noGrp="1"/>
-          </p:cNvSpPr>
-          <p:nvPr>
-            <p:ph idx="1"/>
-          </p:nvPr>
-        </p:nvSpPr>
-        <p:spPr/>
-        <p:txBody>
-          <a:bodyPr/>
-          <a:lstStyle/>
-          <a:p/>
-          <a:p>
-            <a:r>
-              <a:t>Boucle accept → recv → send</a:t>
-            </a:r>
-          </a:p>
-          <a:p>
-            <a:r>
-              <a:t>Modèle séquentiel simple</a:t>
-            </a:r>
-          </a:p>
-          <a:p>
-            <a:r>
-              <a:t>Limites : blocage, faible scalabilité</a:t>
-            </a:r>
-          </a:p>
-          <a:p>
-            <a:r>
-              <a:t>Utilisé comme baseline pour le benchmark</a:t>
-            </a:r>
-          </a:p>
-        </p:txBody>
-      </p:sp>
+      <p:pic>
+        <p:nvPicPr>
+          <p:cNvPr id="2" name="Picture 1" descr="bg_light.png"/>
+          <p:cNvPicPr>
+            <a:picLocks noChangeAspect="1"/>
+          </p:cNvPicPr>
+          <p:nvPr/>
+        </p:nvPicPr>
+        <p:blipFill>
+          <a:blip r:embed="rId2"/>
+          <a:stretch>
+            <a:fillRect/>
+          </a:stretch>
+        </p:blipFill>
+        <p:spPr>
+          <a:xfrm>
+            <a:off x="0" y="0"/>
+            <a:ext cx="9144000" cy="6858000"/>
+          </a:xfrm>
+          <a:prstGeom prst="rect">
+            <a:avLst/>
+          </a:prstGeom>
+        </p:spPr>
+      </p:pic>
+      <p:sp>
+        <p:nvSpPr>
+          <p:cNvPr id="3" name="TextBox 2"/>
+          <p:cNvSpPr txBox="1"/>
+          <p:nvPr/>
+        </p:nvSpPr>
+        <p:spPr>
+          <a:xfrm>
+            <a:off x="640080" y="640080"/>
+            <a:ext cx="9144000" cy="914400"/>
+          </a:xfrm>
+          <a:prstGeom prst="rect">
+            <a:avLst/>
+          </a:prstGeom>
+          <a:noFill/>
+        </p:spPr>
+        <p:txBody>
+          <a:bodyPr wrap="none">
+            <a:spAutoFit/>
+          </a:bodyPr>
+          <a:lstStyle/>
+          <a:p>
+            <a:pPr>
+              <a:defRPr sz="3600" b="1">
+                <a:solidFill>
+                  <a:srgbClr val="141414"/>
+                </a:solidFill>
+              </a:defRPr>
+            </a:pPr>
+            <a:r>
+              <a:t>Queue FIFO Thread-Safe</a:t>
+            </a:r>
+          </a:p>
+        </p:txBody>
+      </p:sp>
+      <p:pic>
+        <p:nvPicPr>
+          <p:cNvPr id="4" name="Picture 3" descr="uml_queue.png"/>
+          <p:cNvPicPr>
+            <a:picLocks noChangeAspect="1"/>
+          </p:cNvPicPr>
+          <p:nvPr/>
+        </p:nvPicPr>
+        <p:blipFill>
+          <a:blip r:embed="rId3"/>
+          <a:stretch>
+            <a:fillRect/>
+          </a:stretch>
+        </p:blipFill>
+        <p:spPr>
+          <a:xfrm>
+            <a:off x="914400" y="1828800"/>
+            <a:ext cx="9144000" cy="10045959"/>
+          </a:xfrm>
+          <a:prstGeom prst="rect">
+            <a:avLst/>
+          </a:prstGeom>
+        </p:spPr>
+      </p:pic>
     </p:spTree>
   </p:cSld>
   <p:clrMapOvr>
@@ -3323,64 +5351,89 @@
         <p:nvPr/>
       </p:nvGrpSpPr>
       <p:grpSpPr/>
-      <p:sp>
-        <p:nvSpPr>
-          <p:cNvPr id="2" name="Title 1"/>
-          <p:cNvSpPr>
-            <a:spLocks noGrp="1"/>
-          </p:cNvSpPr>
-          <p:nvPr>
-            <p:ph type="title"/>
-          </p:nvPr>
-        </p:nvSpPr>
-        <p:spPr/>
-        <p:txBody>
-          <a:bodyPr/>
-          <a:lstStyle/>
-          <a:p>
-            <a:r>
-              <a:t>HTTP Mono-thread (Islem)</a:t>
-            </a:r>
-          </a:p>
-        </p:txBody>
-      </p:sp>
-      <p:sp>
-        <p:nvSpPr>
-          <p:cNvPr id="3" name="Content Placeholder 2"/>
-          <p:cNvSpPr>
-            <a:spLocks noGrp="1"/>
-          </p:cNvSpPr>
-          <p:nvPr>
-            <p:ph idx="1"/>
-          </p:nvPr>
-        </p:nvSpPr>
-        <p:spPr/>
-        <p:txBody>
-          <a:bodyPr/>
-          <a:lstStyle/>
-          <a:p/>
-          <a:p>
-            <a:r>
-              <a:t>Parseur HTTP minimaliste</a:t>
-            </a:r>
-          </a:p>
-          <a:p>
-            <a:r>
-              <a:t>Routes : / et /hello</a:t>
-            </a:r>
-          </a:p>
-          <a:p>
-            <a:r>
-              <a:t>Réponses HTML et JSON</a:t>
-            </a:r>
-          </a:p>
-          <a:p>
-            <a:r>
-              <a:t>Démo du fonctionnement mono-thread</a:t>
-            </a:r>
-          </a:p>
-        </p:txBody>
-      </p:sp>
+      <p:pic>
+        <p:nvPicPr>
+          <p:cNvPr id="2" name="Picture 1" descr="bg_light.png"/>
+          <p:cNvPicPr>
+            <a:picLocks noChangeAspect="1"/>
+          </p:cNvPicPr>
+          <p:nvPr/>
+        </p:nvPicPr>
+        <p:blipFill>
+          <a:blip r:embed="rId2"/>
+          <a:stretch>
+            <a:fillRect/>
+          </a:stretch>
+        </p:blipFill>
+        <p:spPr>
+          <a:xfrm>
+            <a:off x="0" y="0"/>
+            <a:ext cx="9144000" cy="6858000"/>
+          </a:xfrm>
+          <a:prstGeom prst="rect">
+            <a:avLst/>
+          </a:prstGeom>
+        </p:spPr>
+      </p:pic>
+      <p:sp>
+        <p:nvSpPr>
+          <p:cNvPr id="3" name="TextBox 2"/>
+          <p:cNvSpPr txBox="1"/>
+          <p:nvPr/>
+        </p:nvSpPr>
+        <p:spPr>
+          <a:xfrm>
+            <a:off x="640080" y="640080"/>
+            <a:ext cx="9144000" cy="914400"/>
+          </a:xfrm>
+          <a:prstGeom prst="rect">
+            <a:avLst/>
+          </a:prstGeom>
+          <a:noFill/>
+        </p:spPr>
+        <p:txBody>
+          <a:bodyPr wrap="none">
+            <a:spAutoFit/>
+          </a:bodyPr>
+          <a:lstStyle/>
+          <a:p>
+            <a:pPr>
+              <a:defRPr sz="3600" b="1">
+                <a:solidFill>
+                  <a:srgbClr val="141414"/>
+                </a:solidFill>
+              </a:defRPr>
+            </a:pPr>
+            <a:r>
+              <a:t>Threads &amp; Workers</a:t>
+            </a:r>
+          </a:p>
+        </p:txBody>
+      </p:sp>
+      <p:pic>
+        <p:nvPicPr>
+          <p:cNvPr id="4" name="Picture 3" descr="uml_threads.png"/>
+          <p:cNvPicPr>
+            <a:picLocks noChangeAspect="1"/>
+          </p:cNvPicPr>
+          <p:nvPr/>
+        </p:nvPicPr>
+        <p:blipFill>
+          <a:blip r:embed="rId3"/>
+          <a:stretch>
+            <a:fillRect/>
+          </a:stretch>
+        </p:blipFill>
+        <p:spPr>
+          <a:xfrm>
+            <a:off x="914400" y="1828800"/>
+            <a:ext cx="9144000" cy="6019561"/>
+          </a:xfrm>
+          <a:prstGeom prst="rect">
+            <a:avLst/>
+          </a:prstGeom>
+        </p:spPr>
+      </p:pic>
     </p:spTree>
   </p:cSld>
   <p:clrMapOvr>
@@ -3399,64 +5452,89 @@
         <p:nvPr/>
       </p:nvGrpSpPr>
       <p:grpSpPr/>
-      <p:sp>
-        <p:nvSpPr>
-          <p:cNvPr id="2" name="Title 1"/>
-          <p:cNvSpPr>
-            <a:spLocks noGrp="1"/>
-          </p:cNvSpPr>
-          <p:nvPr>
-            <p:ph type="title"/>
-          </p:nvPr>
-        </p:nvSpPr>
-        <p:spPr/>
-        <p:txBody>
-          <a:bodyPr/>
-          <a:lstStyle/>
-          <a:p>
-            <a:r>
-              <a:t>Serveur Multi-thread (Walid)</a:t>
-            </a:r>
-          </a:p>
-        </p:txBody>
-      </p:sp>
-      <p:sp>
-        <p:nvSpPr>
-          <p:cNvPr id="3" name="Content Placeholder 2"/>
-          <p:cNvSpPr>
-            <a:spLocks noGrp="1"/>
-          </p:cNvSpPr>
-          <p:nvPr>
-            <p:ph idx="1"/>
-          </p:nvPr>
-        </p:nvSpPr>
-        <p:spPr/>
-        <p:txBody>
-          <a:bodyPr/>
-          <a:lstStyle/>
-          <a:p/>
-          <a:p>
-            <a:r>
-              <a:t>Thread Pool fixe</a:t>
-            </a:r>
-          </a:p>
-          <a:p>
-            <a:r>
-              <a:t>Queue FIFO générique thread-safe</a:t>
-            </a:r>
-          </a:p>
-          <a:p>
-            <a:r>
-              <a:t>Workers permanents</a:t>
-            </a:r>
-          </a:p>
-          <a:p>
-            <a:r>
-              <a:t>Optimisation haute charge (100–300 clients)</a:t>
-            </a:r>
-          </a:p>
-        </p:txBody>
-      </p:sp>
+      <p:pic>
+        <p:nvPicPr>
+          <p:cNvPr id="2" name="Picture 1" descr="bg_light.png"/>
+          <p:cNvPicPr>
+            <a:picLocks noChangeAspect="1"/>
+          </p:cNvPicPr>
+          <p:nvPr/>
+        </p:nvPicPr>
+        <p:blipFill>
+          <a:blip r:embed="rId2"/>
+          <a:stretch>
+            <a:fillRect/>
+          </a:stretch>
+        </p:blipFill>
+        <p:spPr>
+          <a:xfrm>
+            <a:off x="0" y="0"/>
+            <a:ext cx="9144000" cy="6858000"/>
+          </a:xfrm>
+          <a:prstGeom prst="rect">
+            <a:avLst/>
+          </a:prstGeom>
+        </p:spPr>
+      </p:pic>
+      <p:sp>
+        <p:nvSpPr>
+          <p:cNvPr id="3" name="TextBox 2"/>
+          <p:cNvSpPr txBox="1"/>
+          <p:nvPr/>
+        </p:nvSpPr>
+        <p:spPr>
+          <a:xfrm>
+            <a:off x="640080" y="640080"/>
+            <a:ext cx="9144000" cy="914400"/>
+          </a:xfrm>
+          <a:prstGeom prst="rect">
+            <a:avLst/>
+          </a:prstGeom>
+          <a:noFill/>
+        </p:spPr>
+        <p:txBody>
+          <a:bodyPr wrap="none">
+            <a:spAutoFit/>
+          </a:bodyPr>
+          <a:lstStyle/>
+          <a:p>
+            <a:pPr>
+              <a:defRPr sz="3600" b="1">
+                <a:solidFill>
+                  <a:srgbClr val="141414"/>
+                </a:solidFill>
+              </a:defRPr>
+            </a:pPr>
+            <a:r>
+              <a:t>Séquence TCP Mono-thread</a:t>
+            </a:r>
+          </a:p>
+        </p:txBody>
+      </p:sp>
+      <p:pic>
+        <p:nvPicPr>
+          <p:cNvPr id="4" name="Picture 3" descr="uml_seq_tcp_monothread.png"/>
+          <p:cNvPicPr>
+            <a:picLocks noChangeAspect="1"/>
+          </p:cNvPicPr>
+          <p:nvPr/>
+        </p:nvPicPr>
+        <p:blipFill>
+          <a:blip r:embed="rId3"/>
+          <a:stretch>
+            <a:fillRect/>
+          </a:stretch>
+        </p:blipFill>
+        <p:spPr>
+          <a:xfrm>
+            <a:off x="914400" y="1828800"/>
+            <a:ext cx="9144000" cy="12152416"/>
+          </a:xfrm>
+          <a:prstGeom prst="rect">
+            <a:avLst/>
+          </a:prstGeom>
+        </p:spPr>
+      </p:pic>
     </p:spTree>
   </p:cSld>
   <p:clrMapOvr>
@@ -3475,64 +5553,89 @@
         <p:nvPr/>
       </p:nvGrpSpPr>
       <p:grpSpPr/>
-      <p:sp>
-        <p:nvSpPr>
-          <p:cNvPr id="2" name="Title 1"/>
-          <p:cNvSpPr>
-            <a:spLocks noGrp="1"/>
-          </p:cNvSpPr>
-          <p:nvPr>
-            <p:ph type="title"/>
-          </p:nvPr>
-        </p:nvSpPr>
-        <p:spPr/>
-        <p:txBody>
-          <a:bodyPr/>
-          <a:lstStyle/>
-          <a:p>
-            <a:r>
-              <a:t>HTTP Multi-thread (Ghada)</a:t>
-            </a:r>
-          </a:p>
-        </p:txBody>
-      </p:sp>
-      <p:sp>
-        <p:nvSpPr>
-          <p:cNvPr id="3" name="Content Placeholder 2"/>
-          <p:cNvSpPr>
-            <a:spLocks noGrp="1"/>
-          </p:cNvSpPr>
-          <p:nvPr>
-            <p:ph idx="1"/>
-          </p:nvPr>
-        </p:nvSpPr>
-        <p:spPr/>
-        <p:txBody>
-          <a:bodyPr/>
-          <a:lstStyle/>
-          <a:p/>
-          <a:p>
-            <a:r>
-              <a:t>Routage HTTP avancé</a:t>
-            </a:r>
-          </a:p>
-          <a:p>
-            <a:r>
-              <a:t>JSON / HTML / 404</a:t>
-            </a:r>
-          </a:p>
-          <a:p>
-            <a:r>
-              <a:t>Amélioration du parsing</a:t>
-            </a:r>
-          </a:p>
-          <a:p>
-            <a:r>
-              <a:t>Scalabilité et gestion concurrente</a:t>
-            </a:r>
-          </a:p>
-        </p:txBody>
-      </p:sp>
+      <p:pic>
+        <p:nvPicPr>
+          <p:cNvPr id="2" name="Picture 1" descr="bg_light.png"/>
+          <p:cNvPicPr>
+            <a:picLocks noChangeAspect="1"/>
+          </p:cNvPicPr>
+          <p:nvPr/>
+        </p:nvPicPr>
+        <p:blipFill>
+          <a:blip r:embed="rId2"/>
+          <a:stretch>
+            <a:fillRect/>
+          </a:stretch>
+        </p:blipFill>
+        <p:spPr>
+          <a:xfrm>
+            <a:off x="0" y="0"/>
+            <a:ext cx="9144000" cy="6858000"/>
+          </a:xfrm>
+          <a:prstGeom prst="rect">
+            <a:avLst/>
+          </a:prstGeom>
+        </p:spPr>
+      </p:pic>
+      <p:sp>
+        <p:nvSpPr>
+          <p:cNvPr id="3" name="TextBox 2"/>
+          <p:cNvSpPr txBox="1"/>
+          <p:nvPr/>
+        </p:nvSpPr>
+        <p:spPr>
+          <a:xfrm>
+            <a:off x="640080" y="640080"/>
+            <a:ext cx="9144000" cy="914400"/>
+          </a:xfrm>
+          <a:prstGeom prst="rect">
+            <a:avLst/>
+          </a:prstGeom>
+          <a:noFill/>
+        </p:spPr>
+        <p:txBody>
+          <a:bodyPr wrap="none">
+            <a:spAutoFit/>
+          </a:bodyPr>
+          <a:lstStyle/>
+          <a:p>
+            <a:pPr>
+              <a:defRPr sz="3600" b="1">
+                <a:solidFill>
+                  <a:srgbClr val="141414"/>
+                </a:solidFill>
+              </a:defRPr>
+            </a:pPr>
+            <a:r>
+              <a:t>Séquence TCP Multi-thread</a:t>
+            </a:r>
+          </a:p>
+        </p:txBody>
+      </p:sp>
+      <p:pic>
+        <p:nvPicPr>
+          <p:cNvPr id="4" name="Picture 3" descr="uml_seq_tcp_multithread.png"/>
+          <p:cNvPicPr>
+            <a:picLocks noChangeAspect="1"/>
+          </p:cNvPicPr>
+          <p:nvPr/>
+        </p:nvPicPr>
+        <p:blipFill>
+          <a:blip r:embed="rId3"/>
+          <a:stretch>
+            <a:fillRect/>
+          </a:stretch>
+        </p:blipFill>
+        <p:spPr>
+          <a:xfrm>
+            <a:off x="914400" y="1828800"/>
+            <a:ext cx="9144000" cy="9404430"/>
+          </a:xfrm>
+          <a:prstGeom prst="rect">
+            <a:avLst/>
+          </a:prstGeom>
+        </p:spPr>
+      </p:pic>
     </p:spTree>
   </p:cSld>
   <p:clrMapOvr>
@@ -3551,59 +5654,89 @@
         <p:nvPr/>
       </p:nvGrpSpPr>
       <p:grpSpPr/>
-      <p:sp>
-        <p:nvSpPr>
-          <p:cNvPr id="2" name="Title 1"/>
-          <p:cNvSpPr>
-            <a:spLocks noGrp="1"/>
-          </p:cNvSpPr>
-          <p:nvPr>
-            <p:ph type="title"/>
-          </p:nvPr>
-        </p:nvSpPr>
-        <p:spPr/>
-        <p:txBody>
-          <a:bodyPr/>
-          <a:lstStyle/>
-          <a:p>
-            <a:r>
-              <a:t>Diagramme UML – Architecture serveur</a:t>
-            </a:r>
-          </a:p>
-        </p:txBody>
-      </p:sp>
-      <p:sp>
-        <p:nvSpPr>
-          <p:cNvPr id="3" name="Content Placeholder 2"/>
-          <p:cNvSpPr>
-            <a:spLocks noGrp="1"/>
-          </p:cNvSpPr>
-          <p:nvPr>
-            <p:ph idx="1"/>
-          </p:nvPr>
-        </p:nvSpPr>
-        <p:spPr/>
-        <p:txBody>
-          <a:bodyPr/>
-          <a:lstStyle/>
-          <a:p/>
-          <a:p>
-            <a:r>
-              <a:t>Classes : Server, Worker, Queue, Client</a:t>
-            </a:r>
-          </a:p>
-          <a:p>
-            <a:r>
-              <a:t>Relations : Worker → Queue → Server</a:t>
-            </a:r>
-          </a:p>
-          <a:p>
-            <a:r>
-              <a:t>File FIFO générique comme cœur du système</a:t>
-            </a:r>
-          </a:p>
-        </p:txBody>
-      </p:sp>
+      <p:pic>
+        <p:nvPicPr>
+          <p:cNvPr id="2" name="Picture 1" descr="bg_light.png"/>
+          <p:cNvPicPr>
+            <a:picLocks noChangeAspect="1"/>
+          </p:cNvPicPr>
+          <p:nvPr/>
+        </p:nvPicPr>
+        <p:blipFill>
+          <a:blip r:embed="rId2"/>
+          <a:stretch>
+            <a:fillRect/>
+          </a:stretch>
+        </p:blipFill>
+        <p:spPr>
+          <a:xfrm>
+            <a:off x="0" y="0"/>
+            <a:ext cx="9144000" cy="6858000"/>
+          </a:xfrm>
+          <a:prstGeom prst="rect">
+            <a:avLst/>
+          </a:prstGeom>
+        </p:spPr>
+      </p:pic>
+      <p:sp>
+        <p:nvSpPr>
+          <p:cNvPr id="3" name="TextBox 2"/>
+          <p:cNvSpPr txBox="1"/>
+          <p:nvPr/>
+        </p:nvSpPr>
+        <p:spPr>
+          <a:xfrm>
+            <a:off x="640080" y="640080"/>
+            <a:ext cx="9144000" cy="914400"/>
+          </a:xfrm>
+          <a:prstGeom prst="rect">
+            <a:avLst/>
+          </a:prstGeom>
+          <a:noFill/>
+        </p:spPr>
+        <p:txBody>
+          <a:bodyPr wrap="none">
+            <a:spAutoFit/>
+          </a:bodyPr>
+          <a:lstStyle/>
+          <a:p>
+            <a:pPr>
+              <a:defRPr sz="3600" b="1">
+                <a:solidFill>
+                  <a:srgbClr val="141414"/>
+                </a:solidFill>
+              </a:defRPr>
+            </a:pPr>
+            <a:r>
+              <a:t>Séquence HTTP Mono-thread</a:t>
+            </a:r>
+          </a:p>
+        </p:txBody>
+      </p:sp>
+      <p:pic>
+        <p:nvPicPr>
+          <p:cNvPr id="4" name="Picture 3" descr="uml_seq_http_monothread.png"/>
+          <p:cNvPicPr>
+            <a:picLocks noChangeAspect="1"/>
+          </p:cNvPicPr>
+          <p:nvPr/>
+        </p:nvPicPr>
+        <p:blipFill>
+          <a:blip r:embed="rId3"/>
+          <a:stretch>
+            <a:fillRect/>
+          </a:stretch>
+        </p:blipFill>
+        <p:spPr>
+          <a:xfrm>
+            <a:off x="914400" y="1828800"/>
+            <a:ext cx="9144000" cy="11095684"/>
+          </a:xfrm>
+          <a:prstGeom prst="rect">
+            <a:avLst/>
+          </a:prstGeom>
+        </p:spPr>
+      </p:pic>
     </p:spTree>
   </p:cSld>
   <p:clrMapOvr>
@@ -3622,64 +5755,89 @@
         <p:nvPr/>
       </p:nvGrpSpPr>
       <p:grpSpPr/>
-      <p:sp>
-        <p:nvSpPr>
-          <p:cNvPr id="2" name="Title 1"/>
-          <p:cNvSpPr>
-            <a:spLocks noGrp="1"/>
-          </p:cNvSpPr>
-          <p:nvPr>
-            <p:ph type="title"/>
-          </p:nvPr>
-        </p:nvSpPr>
-        <p:spPr/>
-        <p:txBody>
-          <a:bodyPr/>
-          <a:lstStyle/>
-          <a:p>
-            <a:r>
-              <a:t>Benchmarks Python – Résultats</a:t>
-            </a:r>
-          </a:p>
-        </p:txBody>
-      </p:sp>
-      <p:sp>
-        <p:nvSpPr>
-          <p:cNvPr id="3" name="Content Placeholder 2"/>
-          <p:cNvSpPr>
-            <a:spLocks noGrp="1"/>
-          </p:cNvSpPr>
-          <p:nvPr>
-            <p:ph idx="1"/>
-          </p:nvPr>
-        </p:nvSpPr>
-        <p:spPr/>
-        <p:txBody>
-          <a:bodyPr/>
-          <a:lstStyle/>
-          <a:p/>
-          <a:p>
-            <a:r>
-              <a:t>Latence moyenne, médiane, p95, p99</a:t>
-            </a:r>
-          </a:p>
-          <a:p>
-            <a:r>
-              <a:t>Débit (RPS)</a:t>
-            </a:r>
-          </a:p>
-          <a:p>
-            <a:r>
-              <a:t>CPU &amp; RAM via psutil</a:t>
-            </a:r>
-          </a:p>
-          <a:p>
-            <a:r>
-              <a:t>Export JSON / XLSX / Dashboard HTML</a:t>
-            </a:r>
-          </a:p>
-        </p:txBody>
-      </p:sp>
+      <p:pic>
+        <p:nvPicPr>
+          <p:cNvPr id="2" name="Picture 1" descr="bg_light.png"/>
+          <p:cNvPicPr>
+            <a:picLocks noChangeAspect="1"/>
+          </p:cNvPicPr>
+          <p:nvPr/>
+        </p:nvPicPr>
+        <p:blipFill>
+          <a:blip r:embed="rId2"/>
+          <a:stretch>
+            <a:fillRect/>
+          </a:stretch>
+        </p:blipFill>
+        <p:spPr>
+          <a:xfrm>
+            <a:off x="0" y="0"/>
+            <a:ext cx="9144000" cy="6858000"/>
+          </a:xfrm>
+          <a:prstGeom prst="rect">
+            <a:avLst/>
+          </a:prstGeom>
+        </p:spPr>
+      </p:pic>
+      <p:sp>
+        <p:nvSpPr>
+          <p:cNvPr id="3" name="TextBox 2"/>
+          <p:cNvSpPr txBox="1"/>
+          <p:nvPr/>
+        </p:nvSpPr>
+        <p:spPr>
+          <a:xfrm>
+            <a:off x="640080" y="640080"/>
+            <a:ext cx="9144000" cy="914400"/>
+          </a:xfrm>
+          <a:prstGeom prst="rect">
+            <a:avLst/>
+          </a:prstGeom>
+          <a:noFill/>
+        </p:spPr>
+        <p:txBody>
+          <a:bodyPr wrap="none">
+            <a:spAutoFit/>
+          </a:bodyPr>
+          <a:lstStyle/>
+          <a:p>
+            <a:pPr>
+              <a:defRPr sz="3600" b="1">
+                <a:solidFill>
+                  <a:srgbClr val="141414"/>
+                </a:solidFill>
+              </a:defRPr>
+            </a:pPr>
+            <a:r>
+              <a:t>Séquence HTTP Multi-thread</a:t>
+            </a:r>
+          </a:p>
+        </p:txBody>
+      </p:sp>
+      <p:pic>
+        <p:nvPicPr>
+          <p:cNvPr id="4" name="Picture 3" descr="uml_seq_http_multithread.png"/>
+          <p:cNvPicPr>
+            <a:picLocks noChangeAspect="1"/>
+          </p:cNvPicPr>
+          <p:nvPr/>
+        </p:nvPicPr>
+        <p:blipFill>
+          <a:blip r:embed="rId3"/>
+          <a:stretch>
+            <a:fillRect/>
+          </a:stretch>
+        </p:blipFill>
+        <p:spPr>
+          <a:xfrm>
+            <a:off x="914400" y="1828800"/>
+            <a:ext cx="9144000" cy="6789460"/>
+          </a:xfrm>
+          <a:prstGeom prst="rect">
+            <a:avLst/>
+          </a:prstGeom>
+        </p:spPr>
+      </p:pic>
     </p:spTree>
   </p:cSld>
   <p:clrMapOvr>
@@ -3698,64 +5856,89 @@
         <p:nvPr/>
       </p:nvGrpSpPr>
       <p:grpSpPr/>
-      <p:sp>
-        <p:nvSpPr>
-          <p:cNvPr id="2" name="Title 1"/>
-          <p:cNvSpPr>
-            <a:spLocks noGrp="1"/>
-          </p:cNvSpPr>
-          <p:nvPr>
-            <p:ph type="title"/>
-          </p:nvPr>
-        </p:nvSpPr>
-        <p:spPr/>
-        <p:txBody>
-          <a:bodyPr/>
-          <a:lstStyle/>
-          <a:p>
-            <a:r>
-              <a:t>Répartition des tâches</a:t>
-            </a:r>
-          </a:p>
-        </p:txBody>
-      </p:sp>
-      <p:sp>
-        <p:nvSpPr>
-          <p:cNvPr id="3" name="Content Placeholder 2"/>
-          <p:cNvSpPr>
-            <a:spLocks noGrp="1"/>
-          </p:cNvSpPr>
-          <p:nvPr>
-            <p:ph idx="1"/>
-          </p:nvPr>
-        </p:nvSpPr>
-        <p:spPr/>
-        <p:txBody>
-          <a:bodyPr/>
-          <a:lstStyle/>
-          <a:p/>
-          <a:p>
-            <a:r>
-              <a:t>1️⃣ Walid – Serveur Multi-thread &amp; optimisation</a:t>
-            </a:r>
-          </a:p>
-          <a:p>
-            <a:r>
-              <a:t>2️⃣ Yassine – Serveur TCP Mono-thread</a:t>
-            </a:r>
-          </a:p>
-          <a:p>
-            <a:r>
-              <a:t>3️⃣ Islem – HTTP Mono-thread</a:t>
-            </a:r>
-          </a:p>
-          <a:p>
-            <a:r>
-              <a:t>4️⃣ Ghada – HTTP Multi-thread &amp; routage</a:t>
-            </a:r>
-          </a:p>
-        </p:txBody>
-      </p:sp>
+      <p:pic>
+        <p:nvPicPr>
+          <p:cNvPr id="2" name="Picture 1" descr="bg_light.png"/>
+          <p:cNvPicPr>
+            <a:picLocks noChangeAspect="1"/>
+          </p:cNvPicPr>
+          <p:nvPr/>
+        </p:nvPicPr>
+        <p:blipFill>
+          <a:blip r:embed="rId2"/>
+          <a:stretch>
+            <a:fillRect/>
+          </a:stretch>
+        </p:blipFill>
+        <p:spPr>
+          <a:xfrm>
+            <a:off x="0" y="0"/>
+            <a:ext cx="9144000" cy="6858000"/>
+          </a:xfrm>
+          <a:prstGeom prst="rect">
+            <a:avLst/>
+          </a:prstGeom>
+        </p:spPr>
+      </p:pic>
+      <p:sp>
+        <p:nvSpPr>
+          <p:cNvPr id="3" name="TextBox 2"/>
+          <p:cNvSpPr txBox="1"/>
+          <p:nvPr/>
+        </p:nvSpPr>
+        <p:spPr>
+          <a:xfrm>
+            <a:off x="640080" y="640080"/>
+            <a:ext cx="9144000" cy="914400"/>
+          </a:xfrm>
+          <a:prstGeom prst="rect">
+            <a:avLst/>
+          </a:prstGeom>
+          <a:noFill/>
+        </p:spPr>
+        <p:txBody>
+          <a:bodyPr wrap="none">
+            <a:spAutoFit/>
+          </a:bodyPr>
+          <a:lstStyle/>
+          <a:p>
+            <a:pPr>
+              <a:defRPr sz="3600" b="1">
+                <a:solidFill>
+                  <a:srgbClr val="141414"/>
+                </a:solidFill>
+              </a:defRPr>
+            </a:pPr>
+            <a:r>
+              <a:t>Throughput (req/s)</a:t>
+            </a:r>
+          </a:p>
+        </p:txBody>
+      </p:sp>
+      <p:pic>
+        <p:nvPicPr>
+          <p:cNvPr id="4" name="Picture 3" descr="1-throughput.png"/>
+          <p:cNvPicPr>
+            <a:picLocks noChangeAspect="1"/>
+          </p:cNvPicPr>
+          <p:nvPr/>
+        </p:nvPicPr>
+        <p:blipFill>
+          <a:blip r:embed="rId3"/>
+          <a:stretch>
+            <a:fillRect/>
+          </a:stretch>
+        </p:blipFill>
+        <p:spPr>
+          <a:xfrm>
+            <a:off x="914400" y="1828800"/>
+            <a:ext cx="9144000" cy="5715000"/>
+          </a:xfrm>
+          <a:prstGeom prst="rect">
+            <a:avLst/>
+          </a:prstGeom>
+        </p:spPr>
+      </p:pic>
     </p:spTree>
   </p:cSld>
   <p:clrMapOvr>

--- a/presentation/presentation/presentation_finale_serveur.pptx
+++ b/presentation/presentation/presentation_finale_serveur.pptx
@@ -3772,7 +3772,7 @@
         <p:spPr>
           <a:xfrm>
             <a:off x="640080" y="2743200"/>
-            <a:ext cx="9601200" cy="12412532"/>
+            <a:ext cx="9601200" cy="13571364"/>
           </a:xfrm>
           <a:prstGeom prst="rect">
             <a:avLst/>
@@ -4104,7 +4104,7 @@
         <p:spPr>
           <a:xfrm>
             <a:off x="640080" y="2743200"/>
-            <a:ext cx="9601200" cy="22584038"/>
+            <a:ext cx="9601200" cy="23436182"/>
           </a:xfrm>
           <a:prstGeom prst="rect">
             <a:avLst/>
@@ -4436,7 +4436,7 @@
         <p:spPr>
           <a:xfrm>
             <a:off x="640080" y="2743200"/>
-            <a:ext cx="9601200" cy="30778568"/>
+            <a:ext cx="9601200" cy="30980824"/>
           </a:xfrm>
           <a:prstGeom prst="rect">
             <a:avLst/>
@@ -4608,7 +4608,7 @@
         <p:spPr>
           <a:xfrm>
             <a:off x="640080" y="2743200"/>
-            <a:ext cx="9601200" cy="38715590"/>
+            <a:ext cx="9601200" cy="30128652"/>
           </a:xfrm>
           <a:prstGeom prst="rect">
             <a:avLst/>
@@ -4881,7 +4881,7 @@
         <p:spPr>
           <a:xfrm>
             <a:off x="640080" y="2743200"/>
-            <a:ext cx="9601200" cy="44703285"/>
+            <a:ext cx="9601200" cy="45120729"/>
           </a:xfrm>
           <a:prstGeom prst="rect">
             <a:avLst/>
@@ -5053,7 +5053,7 @@
         <p:spPr>
           <a:xfrm>
             <a:off x="640080" y="2743200"/>
-            <a:ext cx="9601200" cy="57270506"/>
+            <a:ext cx="9601200" cy="46485544"/>
           </a:xfrm>
           <a:prstGeom prst="rect">
             <a:avLst/>
@@ -5225,7 +5225,7 @@
         <p:spPr>
           <a:xfrm>
             <a:off x="640080" y="2743200"/>
-            <a:ext cx="9601200" cy="17516511"/>
+            <a:ext cx="9601200" cy="33296410"/>
           </a:xfrm>
           <a:prstGeom prst="rect">
             <a:avLst/>
